--- a/trunk/DoAnMonHoc/37_1241310_1241315_1241335_1241393_1241444/TaiLieuTrinhBay/PHÂN TÍCH VÀ QUẢN LÝ YÊU CẦU PHẦN.pptx
+++ b/trunk/DoAnMonHoc/37_1241310_1241315_1241335_1241393_1241444/TaiLieuTrinhBay/PHÂN TÍCH VÀ QUẢN LÝ YÊU CẦU PHẦN.pptx
@@ -5,22 +5,23 @@
     <p:sldMasterId id="2147483684" r:id="rId2"/>
   </p:sldMasterIdLst>
   <p:notesMasterIdLst>
-    <p:notesMasterId r:id="rId14"/>
+    <p:notesMasterId r:id="rId15"/>
   </p:notesMasterIdLst>
   <p:sldIdLst>
     <p:sldId id="272" r:id="rId3"/>
     <p:sldId id="273" r:id="rId4"/>
-    <p:sldId id="274" r:id="rId5"/>
-    <p:sldId id="275" r:id="rId6"/>
-    <p:sldId id="280" r:id="rId7"/>
-    <p:sldId id="281" r:id="rId8"/>
+    <p:sldId id="283" r:id="rId5"/>
+    <p:sldId id="284" r:id="rId6"/>
+    <p:sldId id="285" r:id="rId7"/>
+    <p:sldId id="286" r:id="rId8"/>
     <p:sldId id="276" r:id="rId9"/>
     <p:sldId id="277" r:id="rId10"/>
     <p:sldId id="278" r:id="rId11"/>
     <p:sldId id="279" r:id="rId12"/>
     <p:sldId id="282" r:id="rId13"/>
+    <p:sldId id="288" r:id="rId14"/>
   </p:sldIdLst>
-  <p:sldSz cx="12192000" cy="6858000"/>
+  <p:sldSz cx="9144000" cy="6858000" type="screen4x3"/>
   <p:notesSz cx="6858000" cy="9144000"/>
   <p:defaultTextStyle>
     <a:defPPr>
@@ -207,7 +208,7 @@
           <a:p>
             <a:fld id="{71BD4573-58E7-4156-A133-2731F5F8D1A6}" type="datetimeFigureOut">
               <a:rPr lang="en-US" smtClean="0"/>
-              <a:t>2/8/2014</a:t>
+              <a:t>2/13/2014</a:t>
             </a:fld>
             <a:endParaRPr lang="en-US"/>
           </a:p>
@@ -225,8 +226,8 @@
         </p:nvSpPr>
         <p:spPr>
           <a:xfrm>
-            <a:off x="685800" y="1143000"/>
-            <a:ext cx="5486400" cy="3086100"/>
+            <a:off x="1371600" y="1143000"/>
+            <a:ext cx="4114800" cy="3086100"/>
           </a:xfrm>
           <a:prstGeom prst="rect">
             <a:avLst/>
@@ -502,7 +503,12 @@
             <p:ph type="sldImg"/>
           </p:nvPr>
         </p:nvSpPr>
-        <p:spPr/>
+        <p:spPr>
+          <a:xfrm>
+            <a:off x="1371600" y="1143000"/>
+            <a:ext cx="4114800" cy="3086100"/>
+          </a:xfrm>
+        </p:spPr>
       </p:sp>
       <p:sp>
         <p:nvSpPr>
@@ -598,7 +604,7 @@
           <a:p>
             <a:fld id="{021A1D30-C0A0-4124-A783-34D9F15FA0FE}" type="datetime1">
               <a:rPr lang="en-US" smtClean="0"/>
-              <a:t>2/8/2014</a:t>
+              <a:t>2/13/2014</a:t>
             </a:fld>
             <a:endParaRPr lang="en-US"/>
           </a:p>
@@ -658,14 +664,14 @@
         </p:nvSpPr>
         <p:spPr>
           <a:xfrm>
-            <a:off x="711200" y="3228536"/>
-            <a:ext cx="10472928" cy="1752600"/>
+            <a:off x="533400" y="3228536"/>
+            <a:ext cx="7854696" cy="1752600"/>
           </a:xfrm>
         </p:spPr>
         <p:txBody>
           <a:bodyPr lIns="0" rIns="18288"/>
           <a:lstStyle>
-            <a:lvl1pPr marL="0" marR="45720" indent="0" algn="r">
+            <a:lvl1pPr marL="0" marR="34290" indent="0" algn="r">
               <a:buNone/>
               <a:defRPr>
                 <a:solidFill>
@@ -673,28 +679,28 @@
                 </a:solidFill>
               </a:defRPr>
             </a:lvl1pPr>
-            <a:lvl2pPr marL="457200" indent="0" algn="ctr">
+            <a:lvl2pPr marL="342900" indent="0" algn="ctr">
               <a:buNone/>
             </a:lvl2pPr>
-            <a:lvl3pPr marL="914400" indent="0" algn="ctr">
+            <a:lvl3pPr marL="685800" indent="0" algn="ctr">
               <a:buNone/>
             </a:lvl3pPr>
-            <a:lvl4pPr marL="1371600" indent="0" algn="ctr">
+            <a:lvl4pPr marL="1028700" indent="0" algn="ctr">
               <a:buNone/>
             </a:lvl4pPr>
-            <a:lvl5pPr marL="1828800" indent="0" algn="ctr">
+            <a:lvl5pPr marL="1371600" indent="0" algn="ctr">
               <a:buNone/>
             </a:lvl5pPr>
-            <a:lvl6pPr marL="2286000" indent="0" algn="ctr">
+            <a:lvl6pPr marL="1714500" indent="0" algn="ctr">
               <a:buNone/>
             </a:lvl6pPr>
-            <a:lvl7pPr marL="2743200" indent="0" algn="ctr">
+            <a:lvl7pPr marL="2057400" indent="0" algn="ctr">
               <a:buNone/>
             </a:lvl7pPr>
-            <a:lvl8pPr marL="3200400" indent="0" algn="ctr">
+            <a:lvl8pPr marL="2400300" indent="0" algn="ctr">
               <a:buNone/>
             </a:lvl8pPr>
-            <a:lvl9pPr marL="3657600" indent="0" algn="ctr">
+            <a:lvl9pPr marL="2743200" indent="0" algn="ctr">
               <a:buNone/>
             </a:lvl9pPr>
           </a:lstStyle>
@@ -719,8 +725,8 @@
         </p:nvSpPr>
         <p:spPr>
           <a:xfrm>
-            <a:off x="711200" y="1371600"/>
-            <a:ext cx="10468864" cy="1828800"/>
+            <a:off x="533400" y="1371600"/>
+            <a:ext cx="7851648" cy="1828800"/>
           </a:xfrm>
           <a:ln>
             <a:noFill/>
@@ -748,7 +754,7 @@
                 <a:spcPct val="0"/>
               </a:spcBef>
               <a:buNone/>
-              <a:defRPr sz="5600" b="1">
+              <a:defRPr sz="4200" b="1">
                 <a:ln>
                   <a:noFill/>
                 </a:ln>
@@ -779,8 +785,8 @@
         </p:nvCxnSpPr>
         <p:spPr>
           <a:xfrm flipV="1">
-            <a:off x="3048" y="5937956"/>
-            <a:ext cx="8241" cy="5644"/>
+            <a:off x="2286" y="5937956"/>
+            <a:ext cx="6181" cy="5644"/>
           </a:xfrm>
           <a:prstGeom prst="line">
             <a:avLst/>
@@ -810,7 +816,7 @@
         <p:grpSpPr>
           <a:xfrm>
             <a:off x="0" y="6208894"/>
-            <a:ext cx="12192000" cy="649106"/>
+            <a:ext cx="9144000" cy="649106"/>
             <a:chOff x="0" y="6208894"/>
             <a:chExt cx="12192000" cy="649106"/>
           </a:xfrm>
@@ -852,7 +858,7 @@
             <a:lstStyle/>
             <a:p>
               <a:pPr algn="ctr"/>
-              <a:endParaRPr lang="en-US"/>
+              <a:endParaRPr lang="en-US" sz="1350"/>
             </a:p>
           </p:txBody>
         </p:sp>
@@ -900,8 +906,8 @@
         </p:nvCxnSpPr>
         <p:spPr>
           <a:xfrm flipV="1">
-            <a:off x="3048" y="5937956"/>
-            <a:ext cx="8241" cy="5644"/>
+            <a:off x="2286" y="5937956"/>
+            <a:ext cx="6181" cy="5644"/>
           </a:xfrm>
           <a:prstGeom prst="line">
             <a:avLst/>
@@ -981,7 +987,7 @@
           <a:p>
             <a:fld id="{8D2D5871-AB0F-4B3D-8861-97E78CB7B47E}" type="datetime1">
               <a:rPr lang="en-US" smtClean="0"/>
-              <a:t>2/8/2014</a:t>
+              <a:t>2/13/2014</a:t>
             </a:fld>
             <a:endParaRPr lang="en-US"/>
           </a:p>
@@ -1163,7 +1169,7 @@
           <a:p>
             <a:fld id="{14418406-4C3F-4F3E-80BD-A22568EA37EB}" type="datetime1">
               <a:rPr lang="en-US" smtClean="0"/>
-              <a:t>2/8/2014</a:t>
+              <a:t>2/13/2014</a:t>
             </a:fld>
             <a:endParaRPr lang="en-US"/>
           </a:p>
@@ -1223,8 +1229,8 @@
         </p:nvSpPr>
         <p:spPr>
           <a:xfrm>
-            <a:off x="609600" y="914402"/>
-            <a:ext cx="8026400" cy="5211763"/>
+            <a:off x="457200" y="914402"/>
+            <a:ext cx="6019800" cy="5211763"/>
           </a:xfrm>
         </p:spPr>
         <p:txBody>
@@ -1280,8 +1286,8 @@
         </p:nvSpPr>
         <p:spPr>
           <a:xfrm>
-            <a:off x="8839200" y="914402"/>
-            <a:ext cx="2743200" cy="5211763"/>
+            <a:off x="6629400" y="914402"/>
+            <a:ext cx="2057400" cy="5211763"/>
           </a:xfrm>
         </p:spPr>
         <p:txBody>
@@ -1355,7 +1361,7 @@
           <a:p>
             <a:fld id="{65F28077-7188-48C5-8679-2287FAC952E9}" type="datetime1">
               <a:rPr lang="en-US" smtClean="0"/>
-              <a:t>2/8/2014</a:t>
+              <a:t>2/13/2014</a:t>
             </a:fld>
             <a:endParaRPr lang="en-US"/>
           </a:p>
@@ -1471,10 +1477,10 @@
           <a:lstStyle/>
           <a:p>
             <a:r>
-              <a:rPr kumimoji="0" lang="en-US" smtClean="0"/>
+              <a:rPr kumimoji="0" lang="en-US" dirty="0" smtClean="0"/>
               <a:t>Click to edit Master title style</a:t>
             </a:r>
-            <a:endParaRPr kumimoji="0" lang="en-US"/>
+            <a:endParaRPr kumimoji="0" lang="en-US" dirty="0"/>
           </a:p>
         </p:txBody>
       </p:sp>
@@ -1537,7 +1543,7 @@
           <a:p>
             <a:fld id="{D2DCB740-6776-4EE9-99FD-96D592FA5A23}" type="datetime1">
               <a:rPr lang="en-US" smtClean="0"/>
-              <a:t>2/8/2014</a:t>
+              <a:t>2/13/2014</a:t>
             </a:fld>
             <a:endParaRPr lang="en-US"/>
           </a:p>
@@ -1597,8 +1603,8 @@
         </p:nvSpPr>
         <p:spPr>
           <a:xfrm>
-            <a:off x="707136" y="2704664"/>
-            <a:ext cx="10363200" cy="1509712"/>
+            <a:off x="530352" y="2704664"/>
+            <a:ext cx="7772400" cy="1509712"/>
           </a:xfrm>
         </p:spPr>
         <p:txBody>
@@ -1606,7 +1612,7 @@
           <a:lstStyle>
             <a:lvl1pPr marL="0" indent="0">
               <a:buNone/>
-              <a:defRPr sz="2200">
+              <a:defRPr sz="1650">
                 <a:solidFill>
                   <a:schemeClr val="tx1"/>
                 </a:solidFill>
@@ -1614,7 +1620,7 @@
             </a:lvl1pPr>
             <a:lvl2pPr>
               <a:buNone/>
-              <a:defRPr sz="1800">
+              <a:defRPr sz="1350">
                 <a:solidFill>
                   <a:schemeClr val="tx1">
                     <a:tint val="75000"/>
@@ -1624,7 +1630,7 @@
             </a:lvl2pPr>
             <a:lvl3pPr>
               <a:buNone/>
-              <a:defRPr sz="1600">
+              <a:defRPr sz="1200">
                 <a:solidFill>
                   <a:schemeClr val="tx1">
                     <a:tint val="75000"/>
@@ -1634,7 +1640,7 @@
             </a:lvl3pPr>
             <a:lvl4pPr>
               <a:buNone/>
-              <a:defRPr sz="1400">
+              <a:defRPr sz="1050">
                 <a:solidFill>
                   <a:schemeClr val="tx1">
                     <a:tint val="75000"/>
@@ -1644,7 +1650,7 @@
             </a:lvl4pPr>
             <a:lvl5pPr>
               <a:buNone/>
-              <a:defRPr sz="1400">
+              <a:defRPr sz="1050">
                 <a:solidFill>
                   <a:schemeClr val="tx1">
                     <a:tint val="75000"/>
@@ -1674,8 +1680,8 @@
         </p:nvSpPr>
         <p:spPr>
           <a:xfrm>
-            <a:off x="707136" y="1316736"/>
-            <a:ext cx="10363200" cy="1362456"/>
+            <a:off x="530352" y="1316736"/>
+            <a:ext cx="7772400" cy="1362456"/>
           </a:xfrm>
           <a:ln>
             <a:noFill/>
@@ -1700,7 +1706,7 @@
                 <a:spcPct val="0"/>
               </a:spcBef>
               <a:buNone/>
-              <a:defRPr lang="en-US" sz="5600" b="1" cap="none" baseline="0" dirty="0">
+              <a:defRPr lang="en-US" sz="4200" b="1" cap="none" baseline="0" dirty="0">
                 <a:ln w="635">
                   <a:noFill/>
                 </a:ln>
@@ -1782,7 +1788,7 @@
           <a:p>
             <a:fld id="{05F6BD99-6FFD-46C5-B5E2-43A34BDA2566}" type="datetime1">
               <a:rPr lang="en-US" smtClean="0"/>
-              <a:t>2/8/2014</a:t>
+              <a:t>2/13/2014</a:t>
             </a:fld>
             <a:endParaRPr lang="en-US"/>
           </a:p>
@@ -1842,27 +1848,27 @@
         </p:nvSpPr>
         <p:spPr>
           <a:xfrm>
-            <a:off x="6197600" y="1920085"/>
-            <a:ext cx="5384800" cy="4434840"/>
+            <a:off x="4648200" y="1920085"/>
+            <a:ext cx="4038600" cy="4434840"/>
           </a:xfrm>
         </p:spPr>
         <p:txBody>
           <a:bodyPr/>
           <a:lstStyle>
             <a:lvl1pPr>
-              <a:defRPr sz="2600"/>
+              <a:defRPr sz="1950"/>
             </a:lvl1pPr>
             <a:lvl2pPr>
-              <a:defRPr sz="2400"/>
+              <a:defRPr sz="1800"/>
             </a:lvl2pPr>
             <a:lvl3pPr>
-              <a:defRPr sz="2000"/>
+              <a:defRPr sz="1500"/>
             </a:lvl3pPr>
             <a:lvl4pPr>
-              <a:defRPr sz="1800"/>
+              <a:defRPr sz="1350"/>
             </a:lvl4pPr>
             <a:lvl5pPr>
-              <a:defRPr sz="1800"/>
+              <a:defRPr sz="1350"/>
             </a:lvl5pPr>
           </a:lstStyle>
           <a:p>
@@ -1915,27 +1921,27 @@
         </p:nvSpPr>
         <p:spPr>
           <a:xfrm>
-            <a:off x="609600" y="1920085"/>
-            <a:ext cx="5384800" cy="4434840"/>
+            <a:off x="457200" y="1920085"/>
+            <a:ext cx="4038600" cy="4434840"/>
           </a:xfrm>
         </p:spPr>
         <p:txBody>
           <a:bodyPr/>
           <a:lstStyle>
             <a:lvl1pPr>
-              <a:defRPr sz="2600"/>
+              <a:defRPr sz="1950"/>
             </a:lvl1pPr>
             <a:lvl2pPr>
-              <a:defRPr sz="2400"/>
+              <a:defRPr sz="1800"/>
             </a:lvl2pPr>
             <a:lvl3pPr>
-              <a:defRPr sz="2000"/>
+              <a:defRPr sz="1500"/>
             </a:lvl3pPr>
             <a:lvl4pPr>
-              <a:defRPr sz="1800"/>
+              <a:defRPr sz="1350"/>
             </a:lvl4pPr>
             <a:lvl5pPr>
-              <a:defRPr sz="1800"/>
+              <a:defRPr sz="1350"/>
             </a:lvl5pPr>
           </a:lstStyle>
           <a:p>
@@ -1988,8 +1994,8 @@
         </p:nvSpPr>
         <p:spPr>
           <a:xfrm>
-            <a:off x="609600" y="704088"/>
-            <a:ext cx="10972800" cy="1143000"/>
+            <a:off x="457200" y="704088"/>
+            <a:ext cx="8229600" cy="1143000"/>
           </a:xfrm>
         </p:spPr>
         <p:txBody>
@@ -2063,7 +2069,7 @@
           <a:p>
             <a:fld id="{E022678E-214C-4CF8-97C7-95015FB02960}" type="datetime1">
               <a:rPr lang="en-US" smtClean="0"/>
-              <a:t>2/8/2014</a:t>
+              <a:t>2/13/2014</a:t>
             </a:fld>
             <a:endParaRPr lang="en-US"/>
           </a:p>
@@ -2123,27 +2129,27 @@
         </p:nvSpPr>
         <p:spPr>
           <a:xfrm>
-            <a:off x="6193368" y="2514600"/>
-            <a:ext cx="5389033" cy="3845720"/>
+            <a:off x="4645026" y="2514600"/>
+            <a:ext cx="4041775" cy="3845720"/>
           </a:xfrm>
         </p:spPr>
         <p:txBody>
           <a:bodyPr tIns="0"/>
           <a:lstStyle>
             <a:lvl1pPr>
-              <a:defRPr sz="2200"/>
+              <a:defRPr sz="1650"/>
             </a:lvl1pPr>
             <a:lvl2pPr>
-              <a:defRPr sz="2000"/>
+              <a:defRPr sz="1500"/>
             </a:lvl2pPr>
             <a:lvl3pPr>
-              <a:defRPr sz="1800"/>
+              <a:defRPr sz="1350"/>
             </a:lvl3pPr>
             <a:lvl4pPr>
-              <a:defRPr sz="1600"/>
+              <a:defRPr sz="1200"/>
             </a:lvl4pPr>
             <a:lvl5pPr>
-              <a:defRPr sz="1600"/>
+              <a:defRPr sz="1200"/>
             </a:lvl5pPr>
           </a:lstStyle>
           <a:p>
@@ -2196,8 +2202,8 @@
         </p:nvSpPr>
         <p:spPr>
           <a:xfrm>
-            <a:off x="6193368" y="1859758"/>
-            <a:ext cx="5389033" cy="654843"/>
+            <a:off x="4645026" y="1859759"/>
+            <a:ext cx="4041775" cy="654843"/>
           </a:xfrm>
         </p:spPr>
         <p:txBody>
@@ -2205,7 +2211,7 @@
           <a:lstStyle>
             <a:lvl1pPr marL="0" indent="0">
               <a:buNone/>
-              <a:defRPr sz="2400" b="1" cap="none" baseline="0">
+              <a:defRPr sz="1800" b="1" cap="none" baseline="0">
                 <a:solidFill>
                   <a:schemeClr val="tx1"/>
                 </a:solidFill>
@@ -2214,19 +2220,19 @@
             </a:lvl1pPr>
             <a:lvl2pPr>
               <a:buNone/>
-              <a:defRPr sz="2000" b="1"/>
+              <a:defRPr sz="1500" b="1"/>
             </a:lvl2pPr>
             <a:lvl3pPr>
               <a:buNone/>
-              <a:defRPr sz="1800" b="1"/>
+              <a:defRPr sz="1350" b="1"/>
             </a:lvl3pPr>
             <a:lvl4pPr>
               <a:buNone/>
-              <a:defRPr sz="1600" b="1"/>
+              <a:defRPr sz="1200" b="1"/>
             </a:lvl4pPr>
             <a:lvl5pPr>
               <a:buNone/>
-              <a:defRPr sz="1600" b="1"/>
+              <a:defRPr sz="1200" b="1"/>
             </a:lvl5pPr>
           </a:lstStyle>
           <a:p>
@@ -2250,27 +2256,27 @@
         </p:nvSpPr>
         <p:spPr>
           <a:xfrm>
-            <a:off x="609600" y="2514600"/>
-            <a:ext cx="5386917" cy="3845720"/>
+            <a:off x="457200" y="2514600"/>
+            <a:ext cx="4040188" cy="3845720"/>
           </a:xfrm>
         </p:spPr>
         <p:txBody>
           <a:bodyPr tIns="0"/>
           <a:lstStyle>
             <a:lvl1pPr>
-              <a:defRPr sz="2200"/>
+              <a:defRPr sz="1650"/>
             </a:lvl1pPr>
             <a:lvl2pPr>
-              <a:defRPr sz="2000"/>
+              <a:defRPr sz="1500"/>
             </a:lvl2pPr>
             <a:lvl3pPr>
-              <a:defRPr sz="1800"/>
+              <a:defRPr sz="1350"/>
             </a:lvl3pPr>
             <a:lvl4pPr>
-              <a:defRPr sz="1600"/>
+              <a:defRPr sz="1200"/>
             </a:lvl4pPr>
             <a:lvl5pPr>
-              <a:defRPr sz="1600"/>
+              <a:defRPr sz="1200"/>
             </a:lvl5pPr>
           </a:lstStyle>
           <a:p>
@@ -2323,8 +2329,8 @@
         </p:nvSpPr>
         <p:spPr>
           <a:xfrm>
-            <a:off x="609600" y="1855248"/>
-            <a:ext cx="5386917" cy="659352"/>
+            <a:off x="457200" y="1855248"/>
+            <a:ext cx="4040188" cy="659352"/>
           </a:xfrm>
         </p:spPr>
         <p:txBody>
@@ -2334,7 +2340,7 @@
           <a:lstStyle>
             <a:lvl1pPr marL="0" indent="0">
               <a:buNone/>
-              <a:defRPr sz="2400" b="1" cap="none" baseline="0">
+              <a:defRPr sz="1800" b="1" cap="none" baseline="0">
                 <a:solidFill>
                   <a:schemeClr val="tx1"/>
                 </a:solidFill>
@@ -2343,19 +2349,19 @@
             </a:lvl1pPr>
             <a:lvl2pPr>
               <a:buNone/>
-              <a:defRPr sz="2000" b="1"/>
+              <a:defRPr sz="1500" b="1"/>
             </a:lvl2pPr>
             <a:lvl3pPr>
               <a:buNone/>
-              <a:defRPr sz="1800" b="1"/>
+              <a:defRPr sz="1350" b="1"/>
             </a:lvl3pPr>
             <a:lvl4pPr>
               <a:buNone/>
-              <a:defRPr sz="1600" b="1"/>
+              <a:defRPr sz="1200" b="1"/>
             </a:lvl4pPr>
             <a:lvl5pPr>
               <a:buNone/>
-              <a:defRPr sz="1600" b="1"/>
+              <a:defRPr sz="1200" b="1"/>
             </a:lvl5pPr>
           </a:lstStyle>
           <a:p>
@@ -2379,8 +2385,8 @@
         </p:nvSpPr>
         <p:spPr>
           <a:xfrm>
-            <a:off x="609600" y="704088"/>
-            <a:ext cx="10972800" cy="1143000"/>
+            <a:off x="457200" y="704088"/>
+            <a:ext cx="8229600" cy="1143000"/>
           </a:xfrm>
         </p:spPr>
         <p:txBody>
@@ -2458,7 +2464,7 @@
           <a:p>
             <a:fld id="{D55660E0-FA77-4473-A859-74127B089143}" type="datetime1">
               <a:rPr lang="en-US" smtClean="0"/>
-              <a:t>2/8/2014</a:t>
+              <a:t>2/13/2014</a:t>
             </a:fld>
             <a:endParaRPr lang="en-US"/>
           </a:p>
@@ -2518,8 +2524,8 @@
         </p:nvSpPr>
         <p:spPr>
           <a:xfrm>
-            <a:off x="609600" y="704088"/>
-            <a:ext cx="11074400" cy="1143000"/>
+            <a:off x="381000" y="424688"/>
+            <a:ext cx="8305800" cy="692912"/>
           </a:xfrm>
         </p:spPr>
         <p:txBody>
@@ -2543,7 +2549,7 @@
                 <a:spcPct val="0"/>
               </a:spcBef>
               <a:buNone/>
-              <a:defRPr sz="5000" b="0">
+              <a:defRPr sz="3750" b="0">
                 <a:ln>
                   <a:noFill/>
                 </a:ln>
@@ -2559,10 +2565,10 @@
           </a:lstStyle>
           <a:p>
             <a:r>
-              <a:rPr kumimoji="0" lang="en-US" smtClean="0"/>
+              <a:rPr kumimoji="0" lang="en-US" dirty="0" smtClean="0"/>
               <a:t>Click to edit Master title style</a:t>
             </a:r>
-            <a:endParaRPr kumimoji="0" lang="en-US"/>
+            <a:endParaRPr kumimoji="0" lang="en-US" dirty="0"/>
           </a:p>
         </p:txBody>
       </p:sp>
@@ -2625,7 +2631,7 @@
           <a:p>
             <a:fld id="{3188D7B8-9F07-4899-827D-5F3CFDDEB574}" type="datetime1">
               <a:rPr lang="en-US" smtClean="0"/>
-              <a:t>2/8/2014</a:t>
+              <a:t>2/13/2014</a:t>
             </a:fld>
             <a:endParaRPr lang="en-US"/>
           </a:p>
@@ -2732,7 +2738,7 @@
           <a:p>
             <a:fld id="{B5197C5C-1CD1-417D-A89C-14747F5222C7}" type="datetime1">
               <a:rPr lang="en-US" smtClean="0"/>
-              <a:t>2/8/2014</a:t>
+              <a:t>2/13/2014</a:t>
             </a:fld>
             <a:endParaRPr lang="en-US"/>
           </a:p>
@@ -2792,27 +2798,27 @@
         </p:nvSpPr>
         <p:spPr>
           <a:xfrm>
-            <a:off x="4766733" y="1676400"/>
-            <a:ext cx="6815667" cy="4572000"/>
+            <a:off x="3575050" y="1676400"/>
+            <a:ext cx="5111750" cy="4572000"/>
           </a:xfrm>
         </p:spPr>
         <p:txBody>
           <a:bodyPr tIns="0"/>
           <a:lstStyle>
             <a:lvl1pPr>
-              <a:defRPr sz="2800"/>
+              <a:defRPr sz="2100"/>
             </a:lvl1pPr>
             <a:lvl2pPr>
-              <a:defRPr sz="2600"/>
+              <a:defRPr sz="1950"/>
             </a:lvl2pPr>
             <a:lvl3pPr>
-              <a:defRPr sz="2400"/>
+              <a:defRPr sz="1800"/>
             </a:lvl3pPr>
             <a:lvl4pPr>
-              <a:defRPr sz="2000"/>
+              <a:defRPr sz="1500"/>
             </a:lvl4pPr>
             <a:lvl5pPr>
-              <a:defRPr sz="1800"/>
+              <a:defRPr sz="1350"/>
             </a:lvl5pPr>
           </a:lstStyle>
           <a:p>
@@ -2865,8 +2871,8 @@
         </p:nvSpPr>
         <p:spPr>
           <a:xfrm>
-            <a:off x="914400" y="1676400"/>
-            <a:ext cx="3657600" cy="4572000"/>
+            <a:off x="685800" y="1676400"/>
+            <a:ext cx="2743200" cy="4572000"/>
           </a:xfrm>
         </p:spPr>
         <p:txBody>
@@ -2874,23 +2880,23 @@
           <a:lstStyle>
             <a:lvl1pPr marL="0" indent="0" algn="l">
               <a:buNone/>
-              <a:defRPr sz="1400"/>
+              <a:defRPr sz="1050"/>
             </a:lvl1pPr>
             <a:lvl2pPr indent="0" algn="l">
               <a:buNone/>
-              <a:defRPr sz="1200"/>
+              <a:defRPr sz="900"/>
             </a:lvl2pPr>
             <a:lvl3pPr indent="0" algn="l">
               <a:buNone/>
-              <a:defRPr sz="1000"/>
+              <a:defRPr sz="750"/>
             </a:lvl3pPr>
             <a:lvl4pPr indent="0" algn="l">
               <a:buNone/>
-              <a:defRPr sz="900"/>
+              <a:defRPr sz="675"/>
             </a:lvl4pPr>
             <a:lvl5pPr indent="0" algn="l">
               <a:buNone/>
-              <a:defRPr sz="900"/>
+              <a:defRPr sz="675"/>
             </a:lvl5pPr>
           </a:lstStyle>
           <a:p>
@@ -2914,8 +2920,8 @@
         </p:nvSpPr>
         <p:spPr>
           <a:xfrm>
-            <a:off x="914400" y="514352"/>
-            <a:ext cx="3657600" cy="1162050"/>
+            <a:off x="685800" y="514352"/>
+            <a:ext cx="2743200" cy="1162050"/>
           </a:xfrm>
         </p:spPr>
         <p:txBody>
@@ -2928,7 +2934,7 @@
                 <a:spcPct val="0"/>
               </a:spcBef>
               <a:buNone/>
-              <a:defRPr sz="2600" b="0">
+              <a:defRPr sz="1950" b="0">
                 <a:ln>
                   <a:noFill/>
                 </a:ln>
@@ -3001,8 +3007,8 @@
         </p:nvSpPr>
         <p:spPr>
           <a:xfrm rot="420000" flipV="1">
-            <a:off x="4221004" y="1108077"/>
-            <a:ext cx="7010400" cy="4114800"/>
+            <a:off x="3165753" y="1108077"/>
+            <a:ext cx="5257800" cy="4114800"/>
           </a:xfrm>
           <a:prstGeom prst="snipRoundRect">
             <a:avLst>
@@ -3046,7 +3052,7 @@
           <a:lstStyle/>
           <a:p>
             <a:pPr algn="ctr" eaLnBrk="1" latinLnBrk="0" hangingPunct="1"/>
-            <a:endParaRPr kumimoji="0" lang="en-US" sz="1800"/>
+            <a:endParaRPr kumimoji="0" lang="en-US" sz="1350"/>
           </a:p>
         </p:txBody>
       </p:sp>
@@ -3058,8 +3064,8 @@
         </p:nvSpPr>
         <p:spPr>
           <a:xfrm rot="420000" flipV="1">
-            <a:off x="10672179" y="5359769"/>
-            <a:ext cx="207264" cy="155448"/>
+            <a:off x="8004134" y="5359769"/>
+            <a:ext cx="155448" cy="155448"/>
           </a:xfrm>
           <a:prstGeom prst="rtTriangle">
             <a:avLst/>
@@ -3101,7 +3107,7 @@
           <a:lstStyle/>
           <a:p>
             <a:pPr algn="ctr" eaLnBrk="1" latinLnBrk="0" hangingPunct="1"/>
-            <a:endParaRPr kumimoji="0" lang="en-US" sz="1800"/>
+            <a:endParaRPr kumimoji="0" lang="en-US" sz="1350"/>
           </a:p>
         </p:txBody>
       </p:sp>
@@ -3122,7 +3128,7 @@
           <a:p>
             <a:fld id="{1359EFBB-CFA1-4AA8-9123-F0B52DBD84FE}" type="datetime1">
               <a:rPr lang="en-US" smtClean="0"/>
-              <a:t>2/8/2014</a:t>
+              <a:t>2/13/2014</a:t>
             </a:fld>
             <a:endParaRPr lang="en-US"/>
           </a:p>
@@ -3159,8 +3165,8 @@
         </p:nvSpPr>
         <p:spPr>
           <a:xfrm>
-            <a:off x="10769600" y="6356351"/>
-            <a:ext cx="812800" cy="365125"/>
+            <a:off x="8077200" y="6356352"/>
+            <a:ext cx="609600" cy="365125"/>
           </a:xfrm>
         </p:spPr>
         <p:txBody>
@@ -3185,8 +3191,8 @@
         </p:nvSpPr>
         <p:spPr bwMode="auto">
           <a:xfrm flipV="1">
-            <a:off x="-12700" y="5816600"/>
-            <a:ext cx="12217400" cy="1041400"/>
+            <a:off x="-9525" y="5816600"/>
+            <a:ext cx="9163050" cy="1041400"/>
           </a:xfrm>
           <a:custGeom>
             <a:avLst>
@@ -3303,11 +3309,11 @@
           <a:effectLst/>
         </p:spPr>
         <p:txBody>
-          <a:bodyPr vert="horz" wrap="square" lIns="91440" tIns="45720" rIns="91440" bIns="45720" anchor="t" compatLnSpc="1"/>
+          <a:bodyPr vert="horz" wrap="square" lIns="68580" tIns="34290" rIns="68580" bIns="34290" anchor="t" compatLnSpc="1"/>
           <a:lstStyle/>
           <a:p>
             <a:pPr marL="0" algn="l" rtl="0" eaLnBrk="1" latinLnBrk="0" hangingPunct="1"/>
-            <a:endParaRPr kumimoji="0" lang="en-US" sz="1800">
+            <a:endParaRPr kumimoji="0" lang="en-US" sz="1350">
               <a:solidFill>
                 <a:schemeClr val="tx1"/>
               </a:solidFill>
@@ -3328,8 +3334,8 @@
         </p:nvSpPr>
         <p:spPr bwMode="auto">
           <a:xfrm flipV="1">
-            <a:off x="5842000" y="6219826"/>
-            <a:ext cx="6350000" cy="638175"/>
+            <a:off x="4381500" y="6219827"/>
+            <a:ext cx="4762500" cy="638175"/>
           </a:xfrm>
           <a:custGeom>
             <a:avLst>
@@ -3416,11 +3422,11 @@
           <a:effectLst/>
         </p:spPr>
         <p:txBody>
-          <a:bodyPr vert="horz" wrap="square" lIns="91440" tIns="45720" rIns="91440" bIns="45720" anchor="t" compatLnSpc="1"/>
+          <a:bodyPr vert="horz" wrap="square" lIns="68580" tIns="34290" rIns="68580" bIns="34290" anchor="t" compatLnSpc="1"/>
           <a:lstStyle/>
           <a:p>
             <a:pPr marL="0" algn="l" rtl="0" eaLnBrk="1" latinLnBrk="0" hangingPunct="1"/>
-            <a:endParaRPr kumimoji="0" lang="en-US" sz="1800">
+            <a:endParaRPr kumimoji="0" lang="en-US" sz="1350">
               <a:solidFill>
                 <a:schemeClr val="tx1"/>
               </a:solidFill>
@@ -3443,8 +3449,8 @@
         </p:nvSpPr>
         <p:spPr>
           <a:xfrm rot="420000">
-            <a:off x="4647724" y="1199517"/>
-            <a:ext cx="6156960" cy="3931920"/>
+            <a:off x="3485793" y="1199517"/>
+            <a:ext cx="4617720" cy="3931920"/>
           </a:xfrm>
           <a:prstGeom prst="rect">
             <a:avLst/>
@@ -3465,7 +3471,7 @@
           <a:lstStyle>
             <a:lvl1pPr marL="0" indent="0">
               <a:buNone/>
-              <a:defRPr sz="3200"/>
+              <a:defRPr sz="2400"/>
             </a:lvl1pPr>
           </a:lstStyle>
           <a:p>
@@ -3489,8 +3495,8 @@
         </p:nvSpPr>
         <p:spPr>
           <a:xfrm>
-            <a:off x="812800" y="2828785"/>
-            <a:ext cx="2946400" cy="2179320"/>
+            <a:off x="609600" y="2828785"/>
+            <a:ext cx="2209800" cy="2179320"/>
           </a:xfrm>
         </p:spPr>
         <p:txBody>
@@ -3498,23 +3504,23 @@
           <a:lstStyle>
             <a:lvl1pPr marL="0" indent="0" algn="l">
               <a:spcBef>
-                <a:spcPts val="250"/>
+                <a:spcPts val="188"/>
               </a:spcBef>
               <a:buFontTx/>
               <a:buNone/>
-              <a:defRPr sz="1300"/>
+              <a:defRPr sz="975"/>
             </a:lvl1pPr>
             <a:lvl2pPr>
-              <a:defRPr sz="1200"/>
+              <a:defRPr sz="900"/>
             </a:lvl2pPr>
             <a:lvl3pPr>
-              <a:defRPr sz="1000"/>
+              <a:defRPr sz="750"/>
             </a:lvl3pPr>
             <a:lvl4pPr>
-              <a:defRPr sz="900"/>
+              <a:defRPr sz="675"/>
             </a:lvl4pPr>
             <a:lvl5pPr>
-              <a:defRPr sz="900"/>
+              <a:defRPr sz="675"/>
             </a:lvl5pPr>
           </a:lstStyle>
           <a:p>
@@ -3538,8 +3544,8 @@
         </p:nvSpPr>
         <p:spPr>
           <a:xfrm>
-            <a:off x="812800" y="1176997"/>
-            <a:ext cx="2950464" cy="1582621"/>
+            <a:off x="609600" y="1176998"/>
+            <a:ext cx="2212848" cy="1582621"/>
           </a:xfrm>
         </p:spPr>
         <p:txBody>
@@ -3547,7 +3553,7 @@
           <a:lstStyle>
             <a:lvl1pPr algn="l">
               <a:buNone/>
-              <a:defRPr sz="2000" b="1">
+              <a:defRPr sz="1500" b="1">
                 <a:solidFill>
                   <a:schemeClr val="tx2"/>
                 </a:solidFill>
@@ -3618,8 +3624,8 @@
         </p:nvGrpSpPr>
         <p:grpSpPr>
           <a:xfrm>
-            <a:off x="-29028" y="-7144"/>
-            <a:ext cx="12240731" cy="6879658"/>
+            <a:off x="-21771" y="-7144"/>
+            <a:ext cx="9180548" cy="6879658"/>
             <a:chOff x="0" y="-21658"/>
             <a:chExt cx="12240731" cy="6879658"/>
           </a:xfrm>
@@ -3666,7 +3672,7 @@
             <a:lstStyle/>
             <a:p>
               <a:pPr algn="ctr"/>
-              <a:endParaRPr lang="en-US"/>
+              <a:endParaRPr lang="en-US" sz="1350"/>
             </a:p>
           </p:txBody>
         </p:sp>
@@ -3816,7 +3822,7 @@
               <a:lstStyle/>
               <a:p>
                 <a:pPr marL="0" algn="l" rtl="0" eaLnBrk="1" latinLnBrk="0" hangingPunct="1"/>
-                <a:endParaRPr kumimoji="0" lang="en-US" sz="1800">
+                <a:endParaRPr kumimoji="0" lang="en-US" sz="1350">
                   <a:solidFill>
                     <a:schemeClr val="tx1"/>
                   </a:solidFill>
@@ -3929,7 +3935,7 @@
               <a:lstStyle/>
               <a:p>
                 <a:pPr marL="0" algn="l" rtl="0" eaLnBrk="1" latinLnBrk="0" hangingPunct="1"/>
-                <a:endParaRPr kumimoji="0" lang="en-US" sz="1800">
+                <a:endParaRPr kumimoji="0" lang="en-US" sz="1350">
                   <a:solidFill>
                     <a:schemeClr val="tx1"/>
                   </a:solidFill>
@@ -4052,7 +4058,7 @@
                 <a:bodyPr vert="horz" wrap="square" lIns="91440" tIns="45720" rIns="91440" bIns="45720" anchor="t" compatLnSpc="1"/>
                 <a:lstStyle/>
                 <a:p>
-                  <a:endParaRPr kumimoji="0" lang="en-US" sz="1800"/>
+                  <a:endParaRPr kumimoji="0" lang="en-US" sz="1350"/>
                 </a:p>
               </p:txBody>
             </p:sp>
@@ -4149,7 +4155,7 @@
                 <a:bodyPr vert="horz" wrap="square" lIns="91440" tIns="45720" rIns="91440" bIns="45720" anchor="t" compatLnSpc="1"/>
                 <a:lstStyle/>
                 <a:p>
-                  <a:endParaRPr kumimoji="0" lang="en-US" sz="1800"/>
+                  <a:endParaRPr kumimoji="0" lang="en-US" sz="1350"/>
                 </a:p>
               </p:txBody>
             </p:sp>
@@ -4168,8 +4174,8 @@
         </p:nvSpPr>
         <p:spPr>
           <a:xfrm>
-            <a:off x="609600" y="6356351"/>
-            <a:ext cx="2844800" cy="365125"/>
+            <a:off x="457200" y="6356352"/>
+            <a:ext cx="2133600" cy="365125"/>
           </a:xfrm>
           <a:prstGeom prst="rect">
             <a:avLst/>
@@ -4179,7 +4185,7 @@
           <a:bodyPr vert="horz" lIns="0" tIns="0" rIns="0" bIns="0" anchor="b"/>
           <a:lstStyle>
             <a:lvl1pPr algn="l" eaLnBrk="1" latinLnBrk="0" hangingPunct="1">
-              <a:defRPr kumimoji="0" sz="1200">
+              <a:defRPr kumimoji="0" sz="900">
                 <a:solidFill>
                   <a:schemeClr val="tx1"/>
                 </a:solidFill>
@@ -4189,7 +4195,7 @@
           <a:p>
             <a:fld id="{61146459-E3C3-4969-9224-5ED50B492D17}" type="datetime1">
               <a:rPr lang="en-US" smtClean="0"/>
-              <a:t>2/8/2014</a:t>
+              <a:t>2/13/2014</a:t>
             </a:fld>
             <a:endParaRPr lang="en-US"/>
           </a:p>
@@ -4207,8 +4213,8 @@
         </p:nvSpPr>
         <p:spPr>
           <a:xfrm>
-            <a:off x="3556000" y="6356351"/>
-            <a:ext cx="4470400" cy="365125"/>
+            <a:off x="2667000" y="6356352"/>
+            <a:ext cx="3352800" cy="365125"/>
           </a:xfrm>
           <a:prstGeom prst="rect">
             <a:avLst/>
@@ -4218,7 +4224,7 @@
           <a:bodyPr vert="horz" lIns="0" tIns="0" rIns="0" bIns="0" anchor="b"/>
           <a:lstStyle>
             <a:lvl1pPr algn="l" eaLnBrk="1" latinLnBrk="0" hangingPunct="1">
-              <a:defRPr kumimoji="0" sz="1200">
+              <a:defRPr kumimoji="0" sz="900">
                 <a:solidFill>
                   <a:schemeClr val="tx1"/>
                 </a:solidFill>
@@ -4242,8 +4248,8 @@
         </p:nvSpPr>
         <p:spPr>
           <a:xfrm>
-            <a:off x="10566400" y="6356351"/>
-            <a:ext cx="1016000" cy="365125"/>
+            <a:off x="7924800" y="6356352"/>
+            <a:ext cx="762000" cy="365125"/>
           </a:xfrm>
           <a:prstGeom prst="rect">
             <a:avLst/>
@@ -4253,7 +4259,7 @@
           <a:bodyPr vert="horz" lIns="0" tIns="0" rIns="0" bIns="0" anchor="b"/>
           <a:lstStyle>
             <a:lvl1pPr algn="r" eaLnBrk="1" latinLnBrk="0" hangingPunct="1">
-              <a:defRPr kumimoji="0" sz="1200">
+              <a:defRPr kumimoji="0" sz="900">
                 <a:solidFill>
                   <a:schemeClr val="tx1"/>
                 </a:solidFill>
@@ -4282,8 +4288,8 @@
         </p:nvSpPr>
         <p:spPr>
           <a:xfrm>
-            <a:off x="609600" y="1935480"/>
-            <a:ext cx="10972800" cy="4389120"/>
+            <a:off x="457200" y="1935480"/>
+            <a:ext cx="8229600" cy="4389120"/>
           </a:xfrm>
           <a:prstGeom prst="rect">
             <a:avLst/>
@@ -4344,8 +4350,8 @@
         </p:nvSpPr>
         <p:spPr>
           <a:xfrm>
-            <a:off x="609600" y="704088"/>
-            <a:ext cx="10972800" cy="1143000"/>
+            <a:off x="457200" y="704088"/>
+            <a:ext cx="8229600" cy="1143000"/>
           </a:xfrm>
           <a:prstGeom prst="rect">
             <a:avLst/>
@@ -4413,7 +4419,7 @@
           <a:spcPct val="0"/>
         </a:spcBef>
         <a:buNone/>
-        <a:defRPr kumimoji="0" sz="5000" b="0" kern="1200">
+        <a:defRPr kumimoji="0" sz="3750" b="0" kern="1200">
           <a:ln>
             <a:noFill/>
           </a:ln>
@@ -4428,7 +4434,7 @@
       </a:lvl1pPr>
     </p:titleStyle>
     <p:bodyStyle>
-      <a:lvl1pPr marL="274320" indent="-274320" algn="l" rtl="0" eaLnBrk="1" latinLnBrk="0" hangingPunct="1">
+      <a:lvl1pPr marL="205740" indent="-205740" algn="l" rtl="0" eaLnBrk="1" latinLnBrk="0" hangingPunct="1">
         <a:spcBef>
           <a:spcPct val="20000"/>
         </a:spcBef>
@@ -4438,7 +4444,7 @@
         <a:buSzPct val="95000"/>
         <a:buFont typeface="Wingdings 2"/>
         <a:buChar char=""/>
-        <a:defRPr kumimoji="0" sz="2600" kern="1200">
+        <a:defRPr kumimoji="0" sz="1950" kern="1200">
           <a:solidFill>
             <a:schemeClr val="tx1"/>
           </a:solidFill>
@@ -4447,7 +4453,7 @@
           <a:cs typeface="+mn-cs"/>
         </a:defRPr>
       </a:lvl1pPr>
-      <a:lvl2pPr marL="640080" indent="-246888" algn="l" rtl="0" eaLnBrk="1" latinLnBrk="0" hangingPunct="1">
+      <a:lvl2pPr marL="480060" indent="-185166" algn="l" rtl="0" eaLnBrk="1" latinLnBrk="0" hangingPunct="1">
         <a:spcBef>
           <a:spcPct val="20000"/>
         </a:spcBef>
@@ -4455,82 +4461,6 @@
           <a:schemeClr val="accent1"/>
         </a:buClr>
         <a:buSzPct val="85000"/>
-        <a:buFont typeface="Wingdings 2"/>
-        <a:buChar char=""/>
-        <a:defRPr kumimoji="0" sz="2400" kern="1200">
-          <a:solidFill>
-            <a:schemeClr val="tx1"/>
-          </a:solidFill>
-          <a:latin typeface="+mn-lt"/>
-          <a:ea typeface="+mn-ea"/>
-          <a:cs typeface="+mn-cs"/>
-        </a:defRPr>
-      </a:lvl2pPr>
-      <a:lvl3pPr marL="914400" indent="-246888" algn="l" rtl="0" eaLnBrk="1" latinLnBrk="0" hangingPunct="1">
-        <a:spcBef>
-          <a:spcPct val="20000"/>
-        </a:spcBef>
-        <a:buClr>
-          <a:schemeClr val="accent2"/>
-        </a:buClr>
-        <a:buSzPct val="70000"/>
-        <a:buFont typeface="Wingdings 2"/>
-        <a:buChar char=""/>
-        <a:defRPr kumimoji="0" sz="2100" kern="1200">
-          <a:solidFill>
-            <a:schemeClr val="tx1"/>
-          </a:solidFill>
-          <a:latin typeface="+mn-lt"/>
-          <a:ea typeface="+mn-ea"/>
-          <a:cs typeface="+mn-cs"/>
-        </a:defRPr>
-      </a:lvl3pPr>
-      <a:lvl4pPr marL="1188720" indent="-210312" algn="l" rtl="0" eaLnBrk="1" latinLnBrk="0" hangingPunct="1">
-        <a:spcBef>
-          <a:spcPct val="20000"/>
-        </a:spcBef>
-        <a:buClr>
-          <a:schemeClr val="accent3"/>
-        </a:buClr>
-        <a:buSzPct val="65000"/>
-        <a:buFont typeface="Wingdings 2"/>
-        <a:buChar char=""/>
-        <a:defRPr kumimoji="0" sz="2000" kern="1200">
-          <a:solidFill>
-            <a:schemeClr val="tx1"/>
-          </a:solidFill>
-          <a:latin typeface="+mn-lt"/>
-          <a:ea typeface="+mn-ea"/>
-          <a:cs typeface="+mn-cs"/>
-        </a:defRPr>
-      </a:lvl4pPr>
-      <a:lvl5pPr marL="1463040" indent="-210312" algn="l" rtl="0" eaLnBrk="1" latinLnBrk="0" hangingPunct="1">
-        <a:spcBef>
-          <a:spcPct val="20000"/>
-        </a:spcBef>
-        <a:buClr>
-          <a:schemeClr val="accent4"/>
-        </a:buClr>
-        <a:buSzPct val="65000"/>
-        <a:buFont typeface="Wingdings 2"/>
-        <a:buChar char=""/>
-        <a:defRPr kumimoji="0" sz="2000" kern="1200">
-          <a:solidFill>
-            <a:schemeClr val="tx1"/>
-          </a:solidFill>
-          <a:latin typeface="+mn-lt"/>
-          <a:ea typeface="+mn-ea"/>
-          <a:cs typeface="+mn-cs"/>
-        </a:defRPr>
-      </a:lvl5pPr>
-      <a:lvl6pPr marL="1737360" indent="-210312" algn="l" rtl="0" eaLnBrk="1" latinLnBrk="0" hangingPunct="1">
-        <a:spcBef>
-          <a:spcPct val="20000"/>
-        </a:spcBef>
-        <a:buClr>
-          <a:schemeClr val="accent5"/>
-        </a:buClr>
-        <a:buSzPct val="80000"/>
         <a:buFont typeface="Wingdings 2"/>
         <a:buChar char=""/>
         <a:defRPr kumimoji="0" sz="1800" kern="1200">
@@ -4541,8 +4471,84 @@
           <a:ea typeface="+mn-ea"/>
           <a:cs typeface="+mn-cs"/>
         </a:defRPr>
+      </a:lvl2pPr>
+      <a:lvl3pPr marL="685800" indent="-185166" algn="l" rtl="0" eaLnBrk="1" latinLnBrk="0" hangingPunct="1">
+        <a:spcBef>
+          <a:spcPct val="20000"/>
+        </a:spcBef>
+        <a:buClr>
+          <a:schemeClr val="accent2"/>
+        </a:buClr>
+        <a:buSzPct val="70000"/>
+        <a:buFont typeface="Wingdings 2"/>
+        <a:buChar char=""/>
+        <a:defRPr kumimoji="0" sz="1575" kern="1200">
+          <a:solidFill>
+            <a:schemeClr val="tx1"/>
+          </a:solidFill>
+          <a:latin typeface="+mn-lt"/>
+          <a:ea typeface="+mn-ea"/>
+          <a:cs typeface="+mn-cs"/>
+        </a:defRPr>
+      </a:lvl3pPr>
+      <a:lvl4pPr marL="891540" indent="-157734" algn="l" rtl="0" eaLnBrk="1" latinLnBrk="0" hangingPunct="1">
+        <a:spcBef>
+          <a:spcPct val="20000"/>
+        </a:spcBef>
+        <a:buClr>
+          <a:schemeClr val="accent3"/>
+        </a:buClr>
+        <a:buSzPct val="65000"/>
+        <a:buFont typeface="Wingdings 2"/>
+        <a:buChar char=""/>
+        <a:defRPr kumimoji="0" sz="1500" kern="1200">
+          <a:solidFill>
+            <a:schemeClr val="tx1"/>
+          </a:solidFill>
+          <a:latin typeface="+mn-lt"/>
+          <a:ea typeface="+mn-ea"/>
+          <a:cs typeface="+mn-cs"/>
+        </a:defRPr>
+      </a:lvl4pPr>
+      <a:lvl5pPr marL="1097280" indent="-157734" algn="l" rtl="0" eaLnBrk="1" latinLnBrk="0" hangingPunct="1">
+        <a:spcBef>
+          <a:spcPct val="20000"/>
+        </a:spcBef>
+        <a:buClr>
+          <a:schemeClr val="accent4"/>
+        </a:buClr>
+        <a:buSzPct val="65000"/>
+        <a:buFont typeface="Wingdings 2"/>
+        <a:buChar char=""/>
+        <a:defRPr kumimoji="0" sz="1500" kern="1200">
+          <a:solidFill>
+            <a:schemeClr val="tx1"/>
+          </a:solidFill>
+          <a:latin typeface="+mn-lt"/>
+          <a:ea typeface="+mn-ea"/>
+          <a:cs typeface="+mn-cs"/>
+        </a:defRPr>
+      </a:lvl5pPr>
+      <a:lvl6pPr marL="1303020" indent="-157734" algn="l" rtl="0" eaLnBrk="1" latinLnBrk="0" hangingPunct="1">
+        <a:spcBef>
+          <a:spcPct val="20000"/>
+        </a:spcBef>
+        <a:buClr>
+          <a:schemeClr val="accent5"/>
+        </a:buClr>
+        <a:buSzPct val="80000"/>
+        <a:buFont typeface="Wingdings 2"/>
+        <a:buChar char=""/>
+        <a:defRPr kumimoji="0" sz="1350" kern="1200">
+          <a:solidFill>
+            <a:schemeClr val="tx1"/>
+          </a:solidFill>
+          <a:latin typeface="+mn-lt"/>
+          <a:ea typeface="+mn-ea"/>
+          <a:cs typeface="+mn-cs"/>
+        </a:defRPr>
       </a:lvl6pPr>
-      <a:lvl7pPr marL="1920240" indent="-182880" algn="l" rtl="0" eaLnBrk="1" latinLnBrk="0" hangingPunct="1">
+      <a:lvl7pPr marL="1440180" indent="-137160" algn="l" rtl="0" eaLnBrk="1" latinLnBrk="0" hangingPunct="1">
         <a:spcBef>
           <a:spcPct val="20000"/>
         </a:spcBef>
@@ -4552,7 +4558,7 @@
         <a:buSzPct val="80000"/>
         <a:buFont typeface="Wingdings 2"/>
         <a:buChar char=""/>
-        <a:defRPr kumimoji="0" sz="1600" kern="1200" baseline="0">
+        <a:defRPr kumimoji="0" sz="1200" kern="1200" baseline="0">
           <a:solidFill>
             <a:schemeClr val="tx1"/>
           </a:solidFill>
@@ -4561,7 +4567,7 @@
           <a:cs typeface="+mn-cs"/>
         </a:defRPr>
       </a:lvl7pPr>
-      <a:lvl8pPr marL="2194560" indent="-182880" algn="l" rtl="0" eaLnBrk="1" latinLnBrk="0" hangingPunct="1">
+      <a:lvl8pPr marL="1645920" indent="-137160" algn="l" rtl="0" eaLnBrk="1" latinLnBrk="0" hangingPunct="1">
         <a:spcBef>
           <a:spcPct val="20000"/>
         </a:spcBef>
@@ -4569,7 +4575,7 @@
           <a:schemeClr val="tx2"/>
         </a:buClr>
         <a:buChar char="•"/>
-        <a:defRPr kumimoji="0" sz="1600" kern="1200">
+        <a:defRPr kumimoji="0" sz="1200" kern="1200">
           <a:solidFill>
             <a:schemeClr val="tx1"/>
           </a:solidFill>
@@ -4578,7 +4584,7 @@
           <a:cs typeface="+mn-cs"/>
         </a:defRPr>
       </a:lvl8pPr>
-      <a:lvl9pPr marL="2468880" indent="-182880" algn="l" rtl="0" eaLnBrk="1" latinLnBrk="0" hangingPunct="1">
+      <a:lvl9pPr marL="1851660" indent="-137160" algn="l" rtl="0" eaLnBrk="1" latinLnBrk="0" hangingPunct="1">
         <a:spcBef>
           <a:spcPct val="20000"/>
         </a:spcBef>
@@ -4587,7 +4593,7 @@
         </a:buClr>
         <a:buFontTx/>
         <a:buChar char="•"/>
-        <a:defRPr kumimoji="0" sz="1400" kern="1200" baseline="0">
+        <a:defRPr kumimoji="0" sz="1050" kern="1200" baseline="0">
           <a:solidFill>
             <a:schemeClr val="tx1"/>
           </a:solidFill>
@@ -4608,7 +4614,7 @@
           <a:cs typeface="+mn-cs"/>
         </a:defRPr>
       </a:lvl1pPr>
-      <a:lvl2pPr marL="457200" algn="l" rtl="0" eaLnBrk="1" latinLnBrk="0" hangingPunct="1">
+      <a:lvl2pPr marL="342900" algn="l" rtl="0" eaLnBrk="1" latinLnBrk="0" hangingPunct="1">
         <a:defRPr kumimoji="0" kern="1200">
           <a:solidFill>
             <a:schemeClr val="tx1"/>
@@ -4618,7 +4624,7 @@
           <a:cs typeface="+mn-cs"/>
         </a:defRPr>
       </a:lvl2pPr>
-      <a:lvl3pPr marL="914400" algn="l" rtl="0" eaLnBrk="1" latinLnBrk="0" hangingPunct="1">
+      <a:lvl3pPr marL="685800" algn="l" rtl="0" eaLnBrk="1" latinLnBrk="0" hangingPunct="1">
         <a:defRPr kumimoji="0" kern="1200">
           <a:solidFill>
             <a:schemeClr val="tx1"/>
@@ -4628,7 +4634,7 @@
           <a:cs typeface="+mn-cs"/>
         </a:defRPr>
       </a:lvl3pPr>
-      <a:lvl4pPr marL="1371600" algn="l" rtl="0" eaLnBrk="1" latinLnBrk="0" hangingPunct="1">
+      <a:lvl4pPr marL="1028700" algn="l" rtl="0" eaLnBrk="1" latinLnBrk="0" hangingPunct="1">
         <a:defRPr kumimoji="0" kern="1200">
           <a:solidFill>
             <a:schemeClr val="tx1"/>
@@ -4638,7 +4644,7 @@
           <a:cs typeface="+mn-cs"/>
         </a:defRPr>
       </a:lvl4pPr>
-      <a:lvl5pPr marL="1828800" algn="l" rtl="0" eaLnBrk="1" latinLnBrk="0" hangingPunct="1">
+      <a:lvl5pPr marL="1371600" algn="l" rtl="0" eaLnBrk="1" latinLnBrk="0" hangingPunct="1">
         <a:defRPr kumimoji="0" kern="1200">
           <a:solidFill>
             <a:schemeClr val="tx1"/>
@@ -4648,7 +4654,7 @@
           <a:cs typeface="+mn-cs"/>
         </a:defRPr>
       </a:lvl5pPr>
-      <a:lvl6pPr marL="2286000" algn="l" rtl="0" eaLnBrk="1" latinLnBrk="0" hangingPunct="1">
+      <a:lvl6pPr marL="1714500" algn="l" rtl="0" eaLnBrk="1" latinLnBrk="0" hangingPunct="1">
         <a:defRPr kumimoji="0" kern="1200">
           <a:solidFill>
             <a:schemeClr val="tx1"/>
@@ -4658,7 +4664,7 @@
           <a:cs typeface="+mn-cs"/>
         </a:defRPr>
       </a:lvl6pPr>
-      <a:lvl7pPr marL="2743200" algn="l" rtl="0" eaLnBrk="1" latinLnBrk="0" hangingPunct="1">
+      <a:lvl7pPr marL="2057400" algn="l" rtl="0" eaLnBrk="1" latinLnBrk="0" hangingPunct="1">
         <a:defRPr kumimoji="0" kern="1200">
           <a:solidFill>
             <a:schemeClr val="tx1"/>
@@ -4668,7 +4674,7 @@
           <a:cs typeface="+mn-cs"/>
         </a:defRPr>
       </a:lvl7pPr>
-      <a:lvl8pPr marL="3200400" algn="l" rtl="0" eaLnBrk="1" latinLnBrk="0" hangingPunct="1">
+      <a:lvl8pPr marL="2400300" algn="l" rtl="0" eaLnBrk="1" latinLnBrk="0" hangingPunct="1">
         <a:defRPr kumimoji="0" kern="1200">
           <a:solidFill>
             <a:schemeClr val="tx1"/>
@@ -4678,7 +4684,7 @@
           <a:cs typeface="+mn-cs"/>
         </a:defRPr>
       </a:lvl8pPr>
-      <a:lvl9pPr marL="3657600" algn="l" rtl="0" eaLnBrk="1" latinLnBrk="0" hangingPunct="1">
+      <a:lvl9pPr marL="2743200" algn="l" rtl="0" eaLnBrk="1" latinLnBrk="0" hangingPunct="1">
         <a:defRPr kumimoji="0" kern="1200">
           <a:solidFill>
             <a:schemeClr val="tx1"/>
@@ -4722,8 +4728,8 @@
         </p:nvSpPr>
         <p:spPr>
           <a:xfrm>
-            <a:off x="707136" y="3791062"/>
-            <a:ext cx="10472928" cy="1752600"/>
+            <a:off x="530352" y="3700547"/>
+            <a:ext cx="7854696" cy="1314450"/>
           </a:xfrm>
         </p:spPr>
         <p:txBody>
@@ -4843,8 +4849,8 @@
         </p:nvSpPr>
         <p:spPr>
           <a:xfrm>
-            <a:off x="707136" y="1775518"/>
-            <a:ext cx="10468864" cy="1828800"/>
+            <a:off x="530352" y="2188889"/>
+            <a:ext cx="7851648" cy="1371600"/>
           </a:xfrm>
         </p:spPr>
         <p:txBody>
@@ -4852,7 +4858,7 @@
           <a:lstStyle/>
           <a:p>
             <a:r>
-              <a:rPr lang="en-US" sz="6000" dirty="0">
+              <a:rPr lang="en-US" sz="4500" dirty="0">
                 <a:solidFill>
                   <a:schemeClr val="accent2"/>
                 </a:solidFill>
@@ -4888,8 +4894,8 @@
         </p:blipFill>
         <p:spPr bwMode="auto">
           <a:xfrm>
-            <a:off x="711200" y="102841"/>
-            <a:ext cx="1828800" cy="1521864"/>
+            <a:off x="533400" y="934381"/>
+            <a:ext cx="1371600" cy="1141398"/>
           </a:xfrm>
           <a:prstGeom prst="rect">
             <a:avLst/>
@@ -4916,15 +4922,15 @@
         </p:nvSpPr>
         <p:spPr>
           <a:xfrm>
-            <a:off x="2357907" y="289584"/>
-            <a:ext cx="8062174" cy="1148377"/>
+            <a:off x="1768430" y="1074438"/>
+            <a:ext cx="6046631" cy="861283"/>
           </a:xfrm>
           <a:prstGeom prst="rect">
             <a:avLst/>
           </a:prstGeom>
         </p:spPr>
         <p:txBody>
-          <a:bodyPr vert="horz" lIns="91440" tIns="45720" rIns="91440" bIns="45720" rtlCol="0" anchor="b">
+          <a:bodyPr vert="horz" lIns="68580" tIns="34290" rIns="68580" bIns="34290" rtlCol="0" anchor="b">
             <a:normAutofit fontScale="97500"/>
           </a:bodyPr>
           <a:lstStyle>
@@ -5005,7 +5011,7 @@
           <a:p>
             <a:pPr algn="ctr"/>
             <a:r>
-              <a:rPr lang="en-US" sz="3000" dirty="0" smtClean="0">
+              <a:rPr lang="en-US" sz="2250" dirty="0">
                 <a:solidFill>
                   <a:srgbClr val="002060"/>
                 </a:solidFill>
@@ -5015,7 +5021,7 @@
               <a:t>ĐẠI HỌC QUỐC GIA TP.HCM</a:t>
             </a:r>
             <a:br>
-              <a:rPr lang="en-US" sz="3000" dirty="0" smtClean="0">
+              <a:rPr lang="en-US" sz="2250" dirty="0">
                 <a:solidFill>
                   <a:srgbClr val="002060"/>
                 </a:solidFill>
@@ -5024,7 +5030,7 @@
               </a:rPr>
             </a:br>
             <a:r>
-              <a:rPr lang="en-US" sz="3000" dirty="0" smtClean="0">
+              <a:rPr lang="en-US" sz="2250" dirty="0">
                 <a:solidFill>
                   <a:srgbClr val="002060"/>
                 </a:solidFill>
@@ -5033,7 +5039,7 @@
               </a:rPr>
               <a:t>TRƯỜNG ĐẠI HỌC KHOA HỌC TỰ NHIÊN</a:t>
             </a:r>
-            <a:endParaRPr lang="en-US" sz="3000" dirty="0">
+            <a:endParaRPr lang="en-US" sz="2250" dirty="0">
               <a:solidFill>
                 <a:srgbClr val="002060"/>
               </a:solidFill>
@@ -5181,422 +5187,73 @@
       </p:grpSpPr>
       <p:sp>
         <p:nvSpPr>
-          <p:cNvPr id="2" name="Content Placeholder 1"/>
-          <p:cNvSpPr>
-            <a:spLocks noGrp="1"/>
+          <p:cNvPr id="4" name="Title 2"/>
+          <p:cNvSpPr txBox="1">
+            <a:spLocks/>
           </p:cNvSpPr>
-          <p:nvPr>
-            <p:ph idx="1"/>
-          </p:nvPr>
+          <p:nvPr/>
         </p:nvSpPr>
-        <p:spPr/>
+        <p:spPr>
+          <a:xfrm>
+            <a:off x="457200" y="592428"/>
+            <a:ext cx="8229600" cy="687989"/>
+          </a:xfrm>
+          <a:prstGeom prst="rect">
+            <a:avLst/>
+          </a:prstGeom>
+        </p:spPr>
         <p:txBody>
-          <a:bodyPr/>
-          <a:lstStyle/>
-          <a:p>
-            <a:r>
-              <a:rPr lang="en-US" dirty="0" err="1" smtClean="0"/>
-              <a:t>Cần</a:t>
-            </a:r>
-            <a:r>
-              <a:rPr lang="en-US" dirty="0" smtClean="0"/>
-              <a:t> </a:t>
-            </a:r>
-            <a:r>
-              <a:rPr lang="en-US" dirty="0" err="1" smtClean="0"/>
-              <a:t>có</a:t>
-            </a:r>
-            <a:r>
-              <a:rPr lang="en-US" dirty="0" smtClean="0"/>
-              <a:t> </a:t>
-            </a:r>
-            <a:r>
-              <a:rPr lang="en-US" dirty="0" err="1" smtClean="0"/>
+          <a:bodyPr vert="horz" lIns="0" rIns="0" bIns="0" anchor="b">
+            <a:normAutofit/>
+          </a:bodyPr>
+          <a:lstStyle>
+            <a:lvl1pPr algn="l" rtl="0" eaLnBrk="1" latinLnBrk="0" hangingPunct="1">
+              <a:spcBef>
+                <a:spcPct val="0"/>
+              </a:spcBef>
+              <a:buNone/>
+              <a:defRPr kumimoji="0" sz="3750" b="0" kern="1200">
+                <a:ln>
+                  <a:noFill/>
+                </a:ln>
+                <a:solidFill>
+                  <a:schemeClr val="tx2"/>
+                </a:solidFill>
+                <a:effectLst/>
+                <a:latin typeface="+mj-lt"/>
+                <a:ea typeface="+mj-ea"/>
+                <a:cs typeface="+mj-cs"/>
+              </a:defRPr>
+            </a:lvl1pPr>
+          </a:lstStyle>
+          <a:p>
+            <a:r>
+              <a:rPr lang="en-US" dirty="0" err="1"/>
+              <a:t>Kinh</a:t>
+            </a:r>
+            <a:r>
+              <a:rPr lang="en-US" dirty="0"/>
+              <a:t> </a:t>
+            </a:r>
+            <a:r>
+              <a:rPr lang="en-US" dirty="0" err="1"/>
+              <a:t>nghiệp</a:t>
+            </a:r>
+            <a:r>
+              <a:rPr lang="en-US" dirty="0"/>
+              <a:t> </a:t>
+            </a:r>
+            <a:r>
+              <a:rPr lang="en-US" dirty="0" err="1"/>
+              <a:t>đúc</a:t>
+            </a:r>
+            <a:r>
+              <a:rPr lang="en-US" dirty="0"/>
+              <a:t> </a:t>
+            </a:r>
+            <a:r>
+              <a:rPr lang="en-US" dirty="0" err="1"/>
               <a:t>kết</a:t>
-            </a:r>
-            <a:r>
-              <a:rPr lang="en-US" dirty="0" smtClean="0"/>
-              <a:t> </a:t>
-            </a:r>
-            <a:r>
-              <a:rPr lang="en-US" dirty="0" err="1" smtClean="0"/>
-              <a:t>hoạch</a:t>
-            </a:r>
-            <a:r>
-              <a:rPr lang="en-US" dirty="0" smtClean="0"/>
-              <a:t> </a:t>
-            </a:r>
-            <a:r>
-              <a:rPr lang="en-US" dirty="0" err="1" smtClean="0"/>
-              <a:t>cho</a:t>
-            </a:r>
-            <a:r>
-              <a:rPr lang="en-US" dirty="0" smtClean="0"/>
-              <a:t> </a:t>
-            </a:r>
-            <a:r>
-              <a:rPr lang="en-US" dirty="0" err="1" smtClean="0"/>
-              <a:t>quá</a:t>
-            </a:r>
-            <a:r>
-              <a:rPr lang="en-US" dirty="0" smtClean="0"/>
-              <a:t> </a:t>
-            </a:r>
-            <a:r>
-              <a:rPr lang="en-US" dirty="0" err="1" smtClean="0"/>
-              <a:t>trình</a:t>
-            </a:r>
-            <a:r>
-              <a:rPr lang="en-US" dirty="0" smtClean="0"/>
-              <a:t> </a:t>
-            </a:r>
-            <a:r>
-              <a:rPr lang="en-US" dirty="0" err="1" smtClean="0"/>
-              <a:t>phỏng</a:t>
-            </a:r>
-            <a:r>
-              <a:rPr lang="en-US" dirty="0" smtClean="0"/>
-              <a:t> </a:t>
-            </a:r>
-            <a:r>
-              <a:rPr lang="en-US" dirty="0" err="1" smtClean="0"/>
-              <a:t>vấn</a:t>
-            </a:r>
-            <a:r>
-              <a:rPr lang="en-US" dirty="0" smtClean="0"/>
-              <a:t>.</a:t>
-            </a:r>
-          </a:p>
-          <a:p>
-            <a:r>
-              <a:rPr lang="en-US" dirty="0" err="1" smtClean="0"/>
-              <a:t>Cần</a:t>
-            </a:r>
-            <a:r>
-              <a:rPr lang="en-US" dirty="0" smtClean="0"/>
-              <a:t> </a:t>
-            </a:r>
-            <a:r>
-              <a:rPr lang="en-US" dirty="0" err="1" smtClean="0"/>
-              <a:t>soạn</a:t>
-            </a:r>
-            <a:r>
-              <a:rPr lang="en-US" dirty="0" smtClean="0"/>
-              <a:t> </a:t>
-            </a:r>
-            <a:r>
-              <a:rPr lang="en-US" dirty="0" err="1" smtClean="0"/>
-              <a:t>thảo</a:t>
-            </a:r>
-            <a:r>
-              <a:rPr lang="en-US" dirty="0" smtClean="0"/>
-              <a:t> </a:t>
-            </a:r>
-            <a:r>
-              <a:rPr lang="en-US" dirty="0" err="1" smtClean="0"/>
-              <a:t>câu</a:t>
-            </a:r>
-            <a:r>
-              <a:rPr lang="en-US" dirty="0" smtClean="0"/>
-              <a:t> </a:t>
-            </a:r>
-            <a:r>
-              <a:rPr lang="en-US" dirty="0" err="1" smtClean="0"/>
-              <a:t>hỏi</a:t>
-            </a:r>
-            <a:r>
-              <a:rPr lang="en-US" dirty="0" smtClean="0"/>
-              <a:t> </a:t>
-            </a:r>
-            <a:r>
-              <a:rPr lang="en-US" dirty="0" err="1" smtClean="0"/>
-              <a:t>và</a:t>
-            </a:r>
-            <a:r>
-              <a:rPr lang="en-US" dirty="0" smtClean="0"/>
-              <a:t> </a:t>
-            </a:r>
-            <a:r>
-              <a:rPr lang="en-US" dirty="0" err="1" smtClean="0"/>
-              <a:t>biết</a:t>
-            </a:r>
-            <a:r>
-              <a:rPr lang="en-US" dirty="0" smtClean="0"/>
-              <a:t> </a:t>
-            </a:r>
-            <a:r>
-              <a:rPr lang="en-US" dirty="0" err="1" smtClean="0"/>
-              <a:t>cách</a:t>
-            </a:r>
-            <a:r>
-              <a:rPr lang="en-US" dirty="0" smtClean="0"/>
-              <a:t> </a:t>
-            </a:r>
-            <a:r>
-              <a:rPr lang="en-US" dirty="0" err="1" smtClean="0"/>
-              <a:t>dẫn</a:t>
-            </a:r>
-            <a:r>
-              <a:rPr lang="en-US" dirty="0" smtClean="0"/>
-              <a:t> </a:t>
-            </a:r>
-            <a:r>
-              <a:rPr lang="en-US" dirty="0" err="1" smtClean="0"/>
-              <a:t>dắt</a:t>
-            </a:r>
-            <a:r>
-              <a:rPr lang="en-US" dirty="0" smtClean="0"/>
-              <a:t> </a:t>
-            </a:r>
-            <a:r>
-              <a:rPr lang="en-US" dirty="0" err="1" smtClean="0"/>
-              <a:t>người</a:t>
-            </a:r>
-            <a:r>
-              <a:rPr lang="en-US" dirty="0" smtClean="0"/>
-              <a:t> </a:t>
-            </a:r>
-            <a:r>
-              <a:rPr lang="en-US" dirty="0" err="1" smtClean="0"/>
-              <a:t>được</a:t>
-            </a:r>
-            <a:r>
-              <a:rPr lang="en-US" dirty="0" smtClean="0"/>
-              <a:t> </a:t>
-            </a:r>
-            <a:r>
-              <a:rPr lang="en-US" dirty="0" err="1" smtClean="0"/>
-              <a:t>phỏng</a:t>
-            </a:r>
-            <a:r>
-              <a:rPr lang="en-US" dirty="0" smtClean="0"/>
-              <a:t> </a:t>
-            </a:r>
-            <a:r>
-              <a:rPr lang="en-US" dirty="0" err="1" smtClean="0"/>
-              <a:t>vấn</a:t>
-            </a:r>
-            <a:r>
-              <a:rPr lang="en-US" dirty="0" smtClean="0"/>
-              <a:t> </a:t>
-            </a:r>
-            <a:r>
-              <a:rPr lang="en-US" dirty="0" err="1" smtClean="0"/>
-              <a:t>để</a:t>
-            </a:r>
-            <a:r>
-              <a:rPr lang="en-US" dirty="0" smtClean="0"/>
-              <a:t> </a:t>
-            </a:r>
-            <a:r>
-              <a:rPr lang="en-US" dirty="0" err="1" smtClean="0"/>
-              <a:t>thu</a:t>
-            </a:r>
-            <a:r>
-              <a:rPr lang="en-US" dirty="0" smtClean="0"/>
-              <a:t> </a:t>
-            </a:r>
-            <a:r>
-              <a:rPr lang="en-US" dirty="0" err="1" smtClean="0"/>
-              <a:t>được</a:t>
-            </a:r>
-            <a:r>
-              <a:rPr lang="en-US" dirty="0" smtClean="0"/>
-              <a:t> </a:t>
-            </a:r>
-            <a:r>
-              <a:rPr lang="en-US" dirty="0" err="1" smtClean="0"/>
-              <a:t>yêu</a:t>
-            </a:r>
-            <a:r>
-              <a:rPr lang="en-US" dirty="0" smtClean="0"/>
-              <a:t> </a:t>
-            </a:r>
-            <a:r>
-              <a:rPr lang="en-US" dirty="0" err="1" smtClean="0"/>
-              <a:t>cầu</a:t>
-            </a:r>
-            <a:r>
-              <a:rPr lang="en-US" dirty="0" smtClean="0"/>
-              <a:t> </a:t>
-            </a:r>
-            <a:r>
-              <a:rPr lang="en-US" dirty="0" err="1" smtClean="0"/>
-              <a:t>chính</a:t>
-            </a:r>
-            <a:r>
-              <a:rPr lang="en-US" dirty="0" smtClean="0"/>
-              <a:t> </a:t>
-            </a:r>
-            <a:r>
-              <a:rPr lang="en-US" dirty="0" err="1" smtClean="0"/>
-              <a:t>xác</a:t>
-            </a:r>
-            <a:r>
-              <a:rPr lang="en-US" dirty="0" smtClean="0"/>
-              <a:t> </a:t>
-            </a:r>
-            <a:r>
-              <a:rPr lang="en-US" dirty="0" err="1" smtClean="0"/>
-              <a:t>nhất</a:t>
-            </a:r>
-            <a:r>
-              <a:rPr lang="en-US" dirty="0" smtClean="0"/>
-              <a:t>.</a:t>
-            </a:r>
-          </a:p>
-          <a:p>
-            <a:r>
-              <a:rPr lang="en-US" dirty="0" err="1" smtClean="0"/>
-              <a:t>Hạn</a:t>
-            </a:r>
-            <a:r>
-              <a:rPr lang="en-US" dirty="0" smtClean="0"/>
-              <a:t> </a:t>
-            </a:r>
-            <a:r>
-              <a:rPr lang="en-US" dirty="0" err="1" smtClean="0"/>
-              <a:t>chế</a:t>
-            </a:r>
-            <a:r>
-              <a:rPr lang="en-US" dirty="0" smtClean="0"/>
-              <a:t> dung </a:t>
-            </a:r>
-            <a:r>
-              <a:rPr lang="en-US" dirty="0" err="1" smtClean="0"/>
-              <a:t>từ</a:t>
-            </a:r>
-            <a:r>
-              <a:rPr lang="en-US" dirty="0" smtClean="0"/>
-              <a:t> </a:t>
-            </a:r>
-            <a:r>
-              <a:rPr lang="en-US" dirty="0" err="1" smtClean="0"/>
-              <a:t>ngữ</a:t>
-            </a:r>
-            <a:r>
-              <a:rPr lang="en-US" dirty="0" smtClean="0"/>
-              <a:t> </a:t>
-            </a:r>
-            <a:r>
-              <a:rPr lang="en-US" dirty="0" err="1" smtClean="0"/>
-              <a:t>chuyên</a:t>
-            </a:r>
-            <a:r>
-              <a:rPr lang="en-US" dirty="0" smtClean="0"/>
-              <a:t> </a:t>
-            </a:r>
-            <a:r>
-              <a:rPr lang="en-US" dirty="0" err="1" smtClean="0"/>
-              <a:t>ngành</a:t>
-            </a:r>
-            <a:r>
-              <a:rPr lang="en-US" dirty="0" smtClean="0"/>
-              <a:t> </a:t>
-            </a:r>
-            <a:r>
-              <a:rPr lang="en-US" dirty="0" err="1" smtClean="0"/>
-              <a:t>và</a:t>
-            </a:r>
-            <a:r>
-              <a:rPr lang="en-US" dirty="0" smtClean="0"/>
-              <a:t> </a:t>
-            </a:r>
-            <a:r>
-              <a:rPr lang="en-US" dirty="0" err="1" smtClean="0"/>
-              <a:t>cần</a:t>
-            </a:r>
-            <a:r>
-              <a:rPr lang="en-US" dirty="0" smtClean="0"/>
-              <a:t> </a:t>
-            </a:r>
-            <a:r>
-              <a:rPr lang="en-US" dirty="0" err="1" smtClean="0"/>
-              <a:t>giải</a:t>
-            </a:r>
-            <a:r>
-              <a:rPr lang="en-US" dirty="0" smtClean="0"/>
-              <a:t> </a:t>
-            </a:r>
-            <a:r>
-              <a:rPr lang="en-US" dirty="0" err="1" smtClean="0"/>
-              <a:t>thích</a:t>
-            </a:r>
-            <a:r>
-              <a:rPr lang="en-US" dirty="0" smtClean="0"/>
-              <a:t> </a:t>
-            </a:r>
-            <a:r>
-              <a:rPr lang="en-US" dirty="0" err="1" smtClean="0"/>
-              <a:t>rõ</a:t>
-            </a:r>
-            <a:r>
-              <a:rPr lang="en-US" dirty="0" smtClean="0"/>
-              <a:t> </a:t>
-            </a:r>
-            <a:r>
-              <a:rPr lang="en-US" dirty="0" err="1" smtClean="0"/>
-              <a:t>cho</a:t>
-            </a:r>
-            <a:r>
-              <a:rPr lang="en-US" dirty="0" smtClean="0"/>
-              <a:t> </a:t>
-            </a:r>
-            <a:r>
-              <a:rPr lang="en-US" dirty="0" err="1" smtClean="0"/>
-              <a:t>người</a:t>
-            </a:r>
-            <a:r>
-              <a:rPr lang="en-US" dirty="0" smtClean="0"/>
-              <a:t> </a:t>
-            </a:r>
-            <a:r>
-              <a:rPr lang="en-US" dirty="0" err="1" smtClean="0"/>
-              <a:t>dùng</a:t>
-            </a:r>
-            <a:r>
-              <a:rPr lang="en-US" dirty="0" smtClean="0"/>
-              <a:t> </a:t>
-            </a:r>
-            <a:r>
-              <a:rPr lang="en-US" dirty="0" err="1" smtClean="0"/>
-              <a:t>theo</a:t>
-            </a:r>
-            <a:r>
-              <a:rPr lang="en-US" dirty="0" smtClean="0"/>
-              <a:t> </a:t>
-            </a:r>
-            <a:r>
-              <a:rPr lang="en-US" dirty="0" err="1" smtClean="0"/>
-              <a:t>cách</a:t>
-            </a:r>
-            <a:r>
-              <a:rPr lang="en-US" dirty="0" smtClean="0"/>
-              <a:t> </a:t>
-            </a:r>
-            <a:r>
-              <a:rPr lang="en-US" dirty="0" err="1" smtClean="0"/>
-              <a:t>phổ</a:t>
-            </a:r>
-            <a:r>
-              <a:rPr lang="en-US" dirty="0" smtClean="0"/>
-              <a:t> </a:t>
-            </a:r>
-            <a:r>
-              <a:rPr lang="en-US" dirty="0" err="1" smtClean="0"/>
-              <a:t>thông</a:t>
-            </a:r>
-            <a:r>
-              <a:rPr lang="en-US" dirty="0" smtClean="0"/>
-              <a:t> </a:t>
-            </a:r>
-            <a:r>
-              <a:rPr lang="en-US" dirty="0" err="1" smtClean="0"/>
-              <a:t>nhất</a:t>
-            </a:r>
-            <a:r>
-              <a:rPr lang="en-US" dirty="0" smtClean="0"/>
-              <a:t>.</a:t>
             </a:r>
             <a:endParaRPr lang="en-US" dirty="0"/>
           </a:p>
@@ -5604,46 +5261,599 @@
       </p:sp>
       <p:sp>
         <p:nvSpPr>
-          <p:cNvPr id="3" name="Title 2"/>
-          <p:cNvSpPr>
-            <a:spLocks noGrp="1"/>
+          <p:cNvPr id="5" name="Content Placeholder 1"/>
+          <p:cNvSpPr txBox="1">
+            <a:spLocks/>
           </p:cNvSpPr>
-          <p:nvPr>
-            <p:ph type="title"/>
-          </p:nvPr>
+          <p:nvPr/>
         </p:nvSpPr>
-        <p:spPr/>
+        <p:spPr>
+          <a:xfrm>
+            <a:off x="457200" y="1407447"/>
+            <a:ext cx="8229600" cy="4389120"/>
+          </a:xfrm>
+          <a:prstGeom prst="rect">
+            <a:avLst/>
+          </a:prstGeom>
+        </p:spPr>
         <p:txBody>
-          <a:bodyPr/>
-          <a:lstStyle/>
-          <a:p>
-            <a:r>
-              <a:rPr lang="en-US" dirty="0" err="1" smtClean="0"/>
-              <a:t>Kinh</a:t>
-            </a:r>
-            <a:r>
-              <a:rPr lang="en-US" dirty="0" smtClean="0"/>
-              <a:t> </a:t>
-            </a:r>
-            <a:r>
-              <a:rPr lang="en-US" dirty="0" err="1" smtClean="0"/>
-              <a:t>nghiệp</a:t>
-            </a:r>
-            <a:r>
-              <a:rPr lang="en-US" dirty="0" smtClean="0"/>
-              <a:t> </a:t>
-            </a:r>
-            <a:r>
-              <a:rPr lang="en-US" dirty="0" err="1" smtClean="0"/>
-              <a:t>đúc</a:t>
-            </a:r>
-            <a:r>
-              <a:rPr lang="en-US" dirty="0" smtClean="0"/>
-              <a:t> </a:t>
-            </a:r>
-            <a:r>
-              <a:rPr lang="en-US" dirty="0" err="1" smtClean="0"/>
+          <a:bodyPr vert="horz">
+            <a:normAutofit/>
+          </a:bodyPr>
+          <a:lstStyle>
+            <a:lvl1pPr marL="205740" indent="-205740" algn="l" rtl="0" eaLnBrk="1" latinLnBrk="0" hangingPunct="1">
+              <a:spcBef>
+                <a:spcPct val="20000"/>
+              </a:spcBef>
+              <a:buClr>
+                <a:schemeClr val="accent3"/>
+              </a:buClr>
+              <a:buSzPct val="95000"/>
+              <a:buFont typeface="Wingdings 2"/>
+              <a:buChar char=""/>
+              <a:defRPr kumimoji="0" sz="1950" kern="1200">
+                <a:solidFill>
+                  <a:schemeClr val="tx1"/>
+                </a:solidFill>
+                <a:latin typeface="+mn-lt"/>
+                <a:ea typeface="+mn-ea"/>
+                <a:cs typeface="+mn-cs"/>
+              </a:defRPr>
+            </a:lvl1pPr>
+            <a:lvl2pPr marL="480060" indent="-185166" algn="l" rtl="0" eaLnBrk="1" latinLnBrk="0" hangingPunct="1">
+              <a:spcBef>
+                <a:spcPct val="20000"/>
+              </a:spcBef>
+              <a:buClr>
+                <a:schemeClr val="accent1"/>
+              </a:buClr>
+              <a:buSzPct val="85000"/>
+              <a:buFont typeface="Wingdings 2"/>
+              <a:buChar char=""/>
+              <a:defRPr kumimoji="0" sz="1800" kern="1200">
+                <a:solidFill>
+                  <a:schemeClr val="tx1"/>
+                </a:solidFill>
+                <a:latin typeface="+mn-lt"/>
+                <a:ea typeface="+mn-ea"/>
+                <a:cs typeface="+mn-cs"/>
+              </a:defRPr>
+            </a:lvl2pPr>
+            <a:lvl3pPr marL="685800" indent="-185166" algn="l" rtl="0" eaLnBrk="1" latinLnBrk="0" hangingPunct="1">
+              <a:spcBef>
+                <a:spcPct val="20000"/>
+              </a:spcBef>
+              <a:buClr>
+                <a:schemeClr val="accent2"/>
+              </a:buClr>
+              <a:buSzPct val="70000"/>
+              <a:buFont typeface="Wingdings 2"/>
+              <a:buChar char=""/>
+              <a:defRPr kumimoji="0" sz="1575" kern="1200">
+                <a:solidFill>
+                  <a:schemeClr val="tx1"/>
+                </a:solidFill>
+                <a:latin typeface="+mn-lt"/>
+                <a:ea typeface="+mn-ea"/>
+                <a:cs typeface="+mn-cs"/>
+              </a:defRPr>
+            </a:lvl3pPr>
+            <a:lvl4pPr marL="891540" indent="-157734" algn="l" rtl="0" eaLnBrk="1" latinLnBrk="0" hangingPunct="1">
+              <a:spcBef>
+                <a:spcPct val="20000"/>
+              </a:spcBef>
+              <a:buClr>
+                <a:schemeClr val="accent3"/>
+              </a:buClr>
+              <a:buSzPct val="65000"/>
+              <a:buFont typeface="Wingdings 2"/>
+              <a:buChar char=""/>
+              <a:defRPr kumimoji="0" sz="1500" kern="1200">
+                <a:solidFill>
+                  <a:schemeClr val="tx1"/>
+                </a:solidFill>
+                <a:latin typeface="+mn-lt"/>
+                <a:ea typeface="+mn-ea"/>
+                <a:cs typeface="+mn-cs"/>
+              </a:defRPr>
+            </a:lvl4pPr>
+            <a:lvl5pPr marL="1097280" indent="-157734" algn="l" rtl="0" eaLnBrk="1" latinLnBrk="0" hangingPunct="1">
+              <a:spcBef>
+                <a:spcPct val="20000"/>
+              </a:spcBef>
+              <a:buClr>
+                <a:schemeClr val="accent4"/>
+              </a:buClr>
+              <a:buSzPct val="65000"/>
+              <a:buFont typeface="Wingdings 2"/>
+              <a:buChar char=""/>
+              <a:defRPr kumimoji="0" sz="1500" kern="1200">
+                <a:solidFill>
+                  <a:schemeClr val="tx1"/>
+                </a:solidFill>
+                <a:latin typeface="+mn-lt"/>
+                <a:ea typeface="+mn-ea"/>
+                <a:cs typeface="+mn-cs"/>
+              </a:defRPr>
+            </a:lvl5pPr>
+            <a:lvl6pPr marL="1303020" indent="-157734" algn="l" rtl="0" eaLnBrk="1" latinLnBrk="0" hangingPunct="1">
+              <a:spcBef>
+                <a:spcPct val="20000"/>
+              </a:spcBef>
+              <a:buClr>
+                <a:schemeClr val="accent5"/>
+              </a:buClr>
+              <a:buSzPct val="80000"/>
+              <a:buFont typeface="Wingdings 2"/>
+              <a:buChar char=""/>
+              <a:defRPr kumimoji="0" sz="1350" kern="1200">
+                <a:solidFill>
+                  <a:schemeClr val="tx1"/>
+                </a:solidFill>
+                <a:latin typeface="+mn-lt"/>
+                <a:ea typeface="+mn-ea"/>
+                <a:cs typeface="+mn-cs"/>
+              </a:defRPr>
+            </a:lvl6pPr>
+            <a:lvl7pPr marL="1440180" indent="-137160" algn="l" rtl="0" eaLnBrk="1" latinLnBrk="0" hangingPunct="1">
+              <a:spcBef>
+                <a:spcPct val="20000"/>
+              </a:spcBef>
+              <a:buClr>
+                <a:schemeClr val="accent6"/>
+              </a:buClr>
+              <a:buSzPct val="80000"/>
+              <a:buFont typeface="Wingdings 2"/>
+              <a:buChar char=""/>
+              <a:defRPr kumimoji="0" sz="1200" kern="1200" baseline="0">
+                <a:solidFill>
+                  <a:schemeClr val="tx1"/>
+                </a:solidFill>
+                <a:latin typeface="+mn-lt"/>
+                <a:ea typeface="+mn-ea"/>
+                <a:cs typeface="+mn-cs"/>
+              </a:defRPr>
+            </a:lvl7pPr>
+            <a:lvl8pPr marL="1645920" indent="-137160" algn="l" rtl="0" eaLnBrk="1" latinLnBrk="0" hangingPunct="1">
+              <a:spcBef>
+                <a:spcPct val="20000"/>
+              </a:spcBef>
+              <a:buClr>
+                <a:schemeClr val="tx2"/>
+              </a:buClr>
+              <a:buChar char="•"/>
+              <a:defRPr kumimoji="0" sz="1200" kern="1200">
+                <a:solidFill>
+                  <a:schemeClr val="tx1"/>
+                </a:solidFill>
+                <a:latin typeface="+mn-lt"/>
+                <a:ea typeface="+mn-ea"/>
+                <a:cs typeface="+mn-cs"/>
+              </a:defRPr>
+            </a:lvl8pPr>
+            <a:lvl9pPr marL="1851660" indent="-137160" algn="l" rtl="0" eaLnBrk="1" latinLnBrk="0" hangingPunct="1">
+              <a:spcBef>
+                <a:spcPct val="20000"/>
+              </a:spcBef>
+              <a:buClr>
+                <a:schemeClr val="tx2"/>
+              </a:buClr>
+              <a:buFontTx/>
+              <a:buChar char="•"/>
+              <a:defRPr kumimoji="0" sz="1050" kern="1200" baseline="0">
+                <a:solidFill>
+                  <a:schemeClr val="tx1"/>
+                </a:solidFill>
+                <a:latin typeface="+mn-lt"/>
+                <a:ea typeface="+mn-ea"/>
+                <a:cs typeface="+mn-cs"/>
+              </a:defRPr>
+            </a:lvl9pPr>
+          </a:lstStyle>
+          <a:p>
+            <a:r>
+              <a:rPr lang="en-US" dirty="0" err="1"/>
+              <a:t>Cần</a:t>
+            </a:r>
+            <a:r>
+              <a:rPr lang="en-US" dirty="0"/>
+              <a:t> </a:t>
+            </a:r>
+            <a:r>
+              <a:rPr lang="en-US" dirty="0" err="1"/>
+              <a:t>có</a:t>
+            </a:r>
+            <a:r>
+              <a:rPr lang="en-US" dirty="0"/>
+              <a:t> </a:t>
+            </a:r>
+            <a:r>
+              <a:rPr lang="en-US" dirty="0" err="1"/>
               <a:t>kết</a:t>
+            </a:r>
+            <a:r>
+              <a:rPr lang="en-US" dirty="0"/>
+              <a:t> </a:t>
+            </a:r>
+            <a:r>
+              <a:rPr lang="en-US" dirty="0" err="1"/>
+              <a:t>hoạch</a:t>
+            </a:r>
+            <a:r>
+              <a:rPr lang="en-US" dirty="0"/>
+              <a:t> </a:t>
+            </a:r>
+            <a:r>
+              <a:rPr lang="en-US" dirty="0" err="1"/>
+              <a:t>cho</a:t>
+            </a:r>
+            <a:r>
+              <a:rPr lang="en-US" dirty="0"/>
+              <a:t> </a:t>
+            </a:r>
+            <a:r>
+              <a:rPr lang="en-US" dirty="0" err="1"/>
+              <a:t>quá</a:t>
+            </a:r>
+            <a:r>
+              <a:rPr lang="en-US" dirty="0"/>
+              <a:t> </a:t>
+            </a:r>
+            <a:r>
+              <a:rPr lang="en-US" dirty="0" err="1"/>
+              <a:t>trình</a:t>
+            </a:r>
+            <a:r>
+              <a:rPr lang="en-US" dirty="0"/>
+              <a:t> </a:t>
+            </a:r>
+            <a:r>
+              <a:rPr lang="en-US" dirty="0" err="1"/>
+              <a:t>phỏng</a:t>
+            </a:r>
+            <a:r>
+              <a:rPr lang="en-US" dirty="0"/>
+              <a:t> </a:t>
+            </a:r>
+            <a:r>
+              <a:rPr lang="en-US" dirty="0" err="1"/>
+              <a:t>vấn</a:t>
+            </a:r>
+            <a:r>
+              <a:rPr lang="en-US" dirty="0"/>
+              <a:t>.</a:t>
+            </a:r>
+          </a:p>
+          <a:p>
+            <a:r>
+              <a:rPr lang="en-US" dirty="0" err="1"/>
+              <a:t>Cần</a:t>
+            </a:r>
+            <a:r>
+              <a:rPr lang="en-US" dirty="0"/>
+              <a:t> </a:t>
+            </a:r>
+            <a:r>
+              <a:rPr lang="en-US" dirty="0" err="1"/>
+              <a:t>soạn</a:t>
+            </a:r>
+            <a:r>
+              <a:rPr lang="en-US" dirty="0"/>
+              <a:t> </a:t>
+            </a:r>
+            <a:r>
+              <a:rPr lang="en-US" dirty="0" err="1"/>
+              <a:t>thảo</a:t>
+            </a:r>
+            <a:r>
+              <a:rPr lang="en-US" dirty="0"/>
+              <a:t> </a:t>
+            </a:r>
+            <a:r>
+              <a:rPr lang="en-US" dirty="0" err="1"/>
+              <a:t>câu</a:t>
+            </a:r>
+            <a:r>
+              <a:rPr lang="en-US" dirty="0"/>
+              <a:t> </a:t>
+            </a:r>
+            <a:r>
+              <a:rPr lang="en-US" dirty="0" err="1"/>
+              <a:t>hỏi</a:t>
+            </a:r>
+            <a:r>
+              <a:rPr lang="en-US" dirty="0"/>
+              <a:t> </a:t>
+            </a:r>
+            <a:r>
+              <a:rPr lang="en-US" dirty="0" err="1"/>
+              <a:t>và</a:t>
+            </a:r>
+            <a:r>
+              <a:rPr lang="en-US" dirty="0"/>
+              <a:t> </a:t>
+            </a:r>
+            <a:r>
+              <a:rPr lang="en-US" dirty="0" err="1"/>
+              <a:t>biết</a:t>
+            </a:r>
+            <a:r>
+              <a:rPr lang="en-US" dirty="0"/>
+              <a:t> </a:t>
+            </a:r>
+            <a:r>
+              <a:rPr lang="en-US" dirty="0" err="1"/>
+              <a:t>cách</a:t>
+            </a:r>
+            <a:r>
+              <a:rPr lang="en-US" dirty="0"/>
+              <a:t> </a:t>
+            </a:r>
+            <a:r>
+              <a:rPr lang="en-US" dirty="0" err="1"/>
+              <a:t>dẫn</a:t>
+            </a:r>
+            <a:r>
+              <a:rPr lang="en-US" dirty="0"/>
+              <a:t> </a:t>
+            </a:r>
+            <a:r>
+              <a:rPr lang="en-US" dirty="0" err="1"/>
+              <a:t>dắt</a:t>
+            </a:r>
+            <a:r>
+              <a:rPr lang="en-US" dirty="0"/>
+              <a:t> </a:t>
+            </a:r>
+            <a:r>
+              <a:rPr lang="en-US" dirty="0" err="1"/>
+              <a:t>người</a:t>
+            </a:r>
+            <a:r>
+              <a:rPr lang="en-US" dirty="0"/>
+              <a:t> </a:t>
+            </a:r>
+            <a:r>
+              <a:rPr lang="en-US" dirty="0" err="1"/>
+              <a:t>được</a:t>
+            </a:r>
+            <a:r>
+              <a:rPr lang="en-US" dirty="0"/>
+              <a:t> </a:t>
+            </a:r>
+            <a:r>
+              <a:rPr lang="en-US" dirty="0" err="1"/>
+              <a:t>phỏng</a:t>
+            </a:r>
+            <a:r>
+              <a:rPr lang="en-US" dirty="0"/>
+              <a:t> </a:t>
+            </a:r>
+            <a:r>
+              <a:rPr lang="en-US" dirty="0" err="1"/>
+              <a:t>vấn</a:t>
+            </a:r>
+            <a:r>
+              <a:rPr lang="en-US" dirty="0"/>
+              <a:t> </a:t>
+            </a:r>
+            <a:r>
+              <a:rPr lang="en-US" dirty="0" err="1"/>
+              <a:t>để</a:t>
+            </a:r>
+            <a:r>
+              <a:rPr lang="en-US" dirty="0"/>
+              <a:t> </a:t>
+            </a:r>
+            <a:r>
+              <a:rPr lang="en-US" dirty="0" err="1"/>
+              <a:t>thu</a:t>
+            </a:r>
+            <a:r>
+              <a:rPr lang="en-US" dirty="0"/>
+              <a:t> </a:t>
+            </a:r>
+            <a:r>
+              <a:rPr lang="en-US" dirty="0" err="1"/>
+              <a:t>được</a:t>
+            </a:r>
+            <a:r>
+              <a:rPr lang="en-US" dirty="0"/>
+              <a:t> </a:t>
+            </a:r>
+            <a:r>
+              <a:rPr lang="en-US" dirty="0" err="1"/>
+              <a:t>yêu</a:t>
+            </a:r>
+            <a:r>
+              <a:rPr lang="en-US" dirty="0"/>
+              <a:t> </a:t>
+            </a:r>
+            <a:r>
+              <a:rPr lang="en-US" dirty="0" err="1"/>
+              <a:t>cầu</a:t>
+            </a:r>
+            <a:r>
+              <a:rPr lang="en-US" dirty="0"/>
+              <a:t> </a:t>
+            </a:r>
+            <a:r>
+              <a:rPr lang="en-US" dirty="0" err="1"/>
+              <a:t>chính</a:t>
+            </a:r>
+            <a:r>
+              <a:rPr lang="en-US" dirty="0"/>
+              <a:t> </a:t>
+            </a:r>
+            <a:r>
+              <a:rPr lang="en-US" dirty="0" err="1"/>
+              <a:t>xác</a:t>
+            </a:r>
+            <a:r>
+              <a:rPr lang="en-US" dirty="0"/>
+              <a:t> </a:t>
+            </a:r>
+            <a:r>
+              <a:rPr lang="en-US" dirty="0" err="1"/>
+              <a:t>nhất</a:t>
+            </a:r>
+            <a:r>
+              <a:rPr lang="en-US" dirty="0"/>
+              <a:t>.</a:t>
+            </a:r>
+          </a:p>
+          <a:p>
+            <a:r>
+              <a:rPr lang="en-US" dirty="0" err="1"/>
+              <a:t>Hạn</a:t>
+            </a:r>
+            <a:r>
+              <a:rPr lang="en-US" dirty="0"/>
+              <a:t> </a:t>
+            </a:r>
+            <a:r>
+              <a:rPr lang="en-US" dirty="0" err="1"/>
+              <a:t>chế</a:t>
+            </a:r>
+            <a:r>
+              <a:rPr lang="en-US" dirty="0"/>
+              <a:t> dung </a:t>
+            </a:r>
+            <a:r>
+              <a:rPr lang="en-US" dirty="0" err="1"/>
+              <a:t>từ</a:t>
+            </a:r>
+            <a:r>
+              <a:rPr lang="en-US" dirty="0"/>
+              <a:t> </a:t>
+            </a:r>
+            <a:r>
+              <a:rPr lang="en-US" dirty="0" err="1"/>
+              <a:t>ngữ</a:t>
+            </a:r>
+            <a:r>
+              <a:rPr lang="en-US" dirty="0"/>
+              <a:t> </a:t>
+            </a:r>
+            <a:r>
+              <a:rPr lang="en-US" dirty="0" err="1"/>
+              <a:t>chuyên</a:t>
+            </a:r>
+            <a:r>
+              <a:rPr lang="en-US" dirty="0"/>
+              <a:t> </a:t>
+            </a:r>
+            <a:r>
+              <a:rPr lang="en-US" dirty="0" err="1"/>
+              <a:t>ngành</a:t>
+            </a:r>
+            <a:r>
+              <a:rPr lang="en-US" dirty="0"/>
+              <a:t> </a:t>
+            </a:r>
+            <a:r>
+              <a:rPr lang="en-US" dirty="0" err="1"/>
+              <a:t>và</a:t>
+            </a:r>
+            <a:r>
+              <a:rPr lang="en-US" dirty="0"/>
+              <a:t> </a:t>
+            </a:r>
+            <a:r>
+              <a:rPr lang="en-US" dirty="0" err="1"/>
+              <a:t>cần</a:t>
+            </a:r>
+            <a:r>
+              <a:rPr lang="en-US" dirty="0"/>
+              <a:t> </a:t>
+            </a:r>
+            <a:r>
+              <a:rPr lang="en-US" dirty="0" err="1"/>
+              <a:t>giải</a:t>
+            </a:r>
+            <a:r>
+              <a:rPr lang="en-US" dirty="0"/>
+              <a:t> </a:t>
+            </a:r>
+            <a:r>
+              <a:rPr lang="en-US" dirty="0" err="1"/>
+              <a:t>thích</a:t>
+            </a:r>
+            <a:r>
+              <a:rPr lang="en-US" dirty="0"/>
+              <a:t> </a:t>
+            </a:r>
+            <a:r>
+              <a:rPr lang="en-US" dirty="0" err="1"/>
+              <a:t>rõ</a:t>
+            </a:r>
+            <a:r>
+              <a:rPr lang="en-US" dirty="0"/>
+              <a:t> </a:t>
+            </a:r>
+            <a:r>
+              <a:rPr lang="en-US" dirty="0" err="1"/>
+              <a:t>cho</a:t>
+            </a:r>
+            <a:r>
+              <a:rPr lang="en-US" dirty="0"/>
+              <a:t> </a:t>
+            </a:r>
+            <a:r>
+              <a:rPr lang="en-US" dirty="0" err="1"/>
+              <a:t>người</a:t>
+            </a:r>
+            <a:r>
+              <a:rPr lang="en-US" dirty="0"/>
+              <a:t> </a:t>
+            </a:r>
+            <a:r>
+              <a:rPr lang="en-US" dirty="0" err="1"/>
+              <a:t>dùng</a:t>
+            </a:r>
+            <a:r>
+              <a:rPr lang="en-US" dirty="0"/>
+              <a:t> </a:t>
+            </a:r>
+            <a:r>
+              <a:rPr lang="en-US" dirty="0" err="1"/>
+              <a:t>theo</a:t>
+            </a:r>
+            <a:r>
+              <a:rPr lang="en-US" dirty="0"/>
+              <a:t> </a:t>
+            </a:r>
+            <a:r>
+              <a:rPr lang="en-US" dirty="0" err="1"/>
+              <a:t>cách</a:t>
+            </a:r>
+            <a:r>
+              <a:rPr lang="en-US" dirty="0"/>
+              <a:t> </a:t>
+            </a:r>
+            <a:r>
+              <a:rPr lang="en-US" dirty="0" err="1"/>
+              <a:t>phổ</a:t>
+            </a:r>
+            <a:r>
+              <a:rPr lang="en-US" dirty="0"/>
+              <a:t> </a:t>
+            </a:r>
+            <a:r>
+              <a:rPr lang="en-US" dirty="0" err="1"/>
+              <a:t>thông</a:t>
+            </a:r>
+            <a:r>
+              <a:rPr lang="en-US" dirty="0"/>
+              <a:t> </a:t>
+            </a:r>
+            <a:r>
+              <a:rPr lang="en-US" dirty="0" err="1"/>
+              <a:t>nhất</a:t>
+            </a:r>
+            <a:r>
+              <a:rPr lang="en-US" dirty="0"/>
+              <a:t>.</a:t>
             </a:r>
             <a:endParaRPr lang="en-US" dirty="0"/>
           </a:p>
@@ -5722,8 +5932,8 @@
         </p:blipFill>
         <p:spPr>
           <a:xfrm>
-            <a:off x="5414772" y="2087180"/>
-            <a:ext cx="1362456" cy="1362456"/>
+            <a:off x="4061078" y="1894601"/>
+            <a:ext cx="1021842" cy="1021842"/>
           </a:xfrm>
           <a:prstGeom prst="roundRect">
             <a:avLst>
@@ -5743,53 +5953,6 @@
           </a:effectLst>
         </p:spPr>
       </p:pic>
-      <p:sp>
-        <p:nvSpPr>
-          <p:cNvPr id="3" name="Title 2"/>
-          <p:cNvSpPr>
-            <a:spLocks noGrp="1"/>
-          </p:cNvSpPr>
-          <p:nvPr>
-            <p:ph type="title"/>
-          </p:nvPr>
-        </p:nvSpPr>
-        <p:spPr/>
-        <p:txBody>
-          <a:bodyPr/>
-          <a:lstStyle/>
-          <a:p>
-            <a:r>
-              <a:rPr lang="en-US" dirty="0" err="1" smtClean="0"/>
-              <a:t>Danh</a:t>
-            </a:r>
-            <a:r>
-              <a:rPr lang="en-US" dirty="0" smtClean="0"/>
-              <a:t> </a:t>
-            </a:r>
-            <a:r>
-              <a:rPr lang="en-US" dirty="0" err="1" smtClean="0"/>
-              <a:t>sách</a:t>
-            </a:r>
-            <a:r>
-              <a:rPr lang="en-US" dirty="0" smtClean="0"/>
-              <a:t> </a:t>
-            </a:r>
-            <a:r>
-              <a:rPr lang="en-US" dirty="0" err="1" smtClean="0"/>
-              <a:t>thành</a:t>
-            </a:r>
-            <a:r>
-              <a:rPr lang="en-US" dirty="0" smtClean="0"/>
-              <a:t> </a:t>
-            </a:r>
-            <a:r>
-              <a:rPr lang="en-US" dirty="0" err="1" smtClean="0"/>
-              <a:t>viên</a:t>
-            </a:r>
-            <a:endParaRPr lang="en-US" dirty="0"/>
-          </a:p>
-        </p:txBody>
-      </p:sp>
       <p:pic>
         <p:nvPicPr>
           <p:cNvPr id="5" name="Picture 4"/>
@@ -5812,8 +5975,8 @@
         </p:blipFill>
         <p:spPr>
           <a:xfrm>
-            <a:off x="609600" y="4335462"/>
-            <a:ext cx="1362075" cy="1362075"/>
+            <a:off x="457200" y="3580813"/>
+            <a:ext cx="1021556" cy="1021556"/>
           </a:xfrm>
           <a:prstGeom prst="roundRect">
             <a:avLst>
@@ -5855,8 +6018,8 @@
         </p:blipFill>
         <p:spPr>
           <a:xfrm>
-            <a:off x="609600" y="2087561"/>
-            <a:ext cx="1362075" cy="1362075"/>
+            <a:off x="457200" y="1894887"/>
+            <a:ext cx="1021556" cy="1021556"/>
           </a:xfrm>
           <a:prstGeom prst="roundRect">
             <a:avLst>
@@ -5892,8 +6055,8 @@
         </p:blipFill>
         <p:spPr>
           <a:xfrm>
-            <a:off x="5414772" y="4335462"/>
-            <a:ext cx="1358793" cy="1362456"/>
+            <a:off x="4061078" y="3580813"/>
+            <a:ext cx="1019095" cy="1021842"/>
           </a:xfrm>
           <a:prstGeom prst="roundRect">
             <a:avLst>
@@ -5929,8 +6092,8 @@
         </p:blipFill>
         <p:spPr>
           <a:xfrm>
-            <a:off x="9598025" y="2087180"/>
-            <a:ext cx="1422860" cy="1362456"/>
+            <a:off x="7198518" y="1894601"/>
+            <a:ext cx="1067145" cy="1021842"/>
           </a:xfrm>
           <a:prstGeom prst="roundRect">
             <a:avLst>
@@ -5958,8 +6121,8 @@
         </p:nvSpPr>
         <p:spPr>
           <a:xfrm>
-            <a:off x="2413000" y="2583742"/>
-            <a:ext cx="2227072" cy="369332"/>
+            <a:off x="1809749" y="2267022"/>
+            <a:ext cx="1670304" cy="300082"/>
           </a:xfrm>
           <a:prstGeom prst="rect">
             <a:avLst/>
@@ -5976,10 +6139,9 @@
           <a:lstStyle/>
           <a:p>
             <a:r>
-              <a:rPr lang="en-US" dirty="0" smtClean="0"/>
+              <a:rPr lang="en-US" sz="1350" dirty="0"/>
               <a:t>Đàm Thiệu Quang</a:t>
             </a:r>
-            <a:endParaRPr lang="en-US" dirty="0" smtClean="0"/>
           </a:p>
         </p:txBody>
       </p:sp>
@@ -5991,8 +6153,8 @@
         </p:nvSpPr>
         <p:spPr>
           <a:xfrm>
-            <a:off x="2455672" y="4831833"/>
-            <a:ext cx="2227072" cy="369332"/>
+            <a:off x="1841753" y="3953091"/>
+            <a:ext cx="1670304" cy="300082"/>
           </a:xfrm>
           <a:prstGeom prst="rect">
             <a:avLst/>
@@ -6009,26 +6171,26 @@
           <a:lstStyle/>
           <a:p>
             <a:r>
-              <a:rPr lang="en-US" dirty="0" err="1" smtClean="0"/>
+              <a:rPr lang="en-US" sz="1350" dirty="0" err="1"/>
               <a:t>Nguyễn</a:t>
             </a:r>
             <a:r>
-              <a:rPr lang="en-US" dirty="0" smtClean="0"/>
-              <a:t> </a:t>
-            </a:r>
-            <a:r>
-              <a:rPr lang="en-US" dirty="0" err="1" smtClean="0"/>
+              <a:rPr lang="en-US" sz="1350" dirty="0"/>
+              <a:t> </a:t>
+            </a:r>
+            <a:r>
+              <a:rPr lang="en-US" sz="1350" dirty="0" err="1"/>
               <a:t>Thị</a:t>
             </a:r>
             <a:r>
-              <a:rPr lang="en-US" dirty="0" smtClean="0"/>
-              <a:t> </a:t>
-            </a:r>
-            <a:r>
-              <a:rPr lang="en-US" dirty="0" err="1" smtClean="0"/>
+              <a:rPr lang="en-US" sz="1350" dirty="0"/>
+              <a:t> </a:t>
+            </a:r>
+            <a:r>
+              <a:rPr lang="en-US" sz="1350" dirty="0" err="1"/>
               <a:t>Yến</a:t>
             </a:r>
-            <a:endParaRPr lang="en-US" dirty="0" smtClean="0"/>
+            <a:endParaRPr lang="en-US" sz="1350" dirty="0"/>
           </a:p>
         </p:txBody>
       </p:sp>
@@ -6040,8 +6202,8 @@
         </p:nvSpPr>
         <p:spPr>
           <a:xfrm>
-            <a:off x="7074090" y="2537277"/>
-            <a:ext cx="2227072" cy="369332"/>
+            <a:off x="5305567" y="2232174"/>
+            <a:ext cx="1670304" cy="300082"/>
           </a:xfrm>
           <a:prstGeom prst="rect">
             <a:avLst/>
@@ -6058,18 +6220,18 @@
           <a:lstStyle/>
           <a:p>
             <a:r>
-              <a:rPr lang="en-US" dirty="0" err="1" smtClean="0"/>
+              <a:rPr lang="en-US" sz="1350" dirty="0" err="1"/>
               <a:t>Trần</a:t>
             </a:r>
             <a:r>
-              <a:rPr lang="en-US" dirty="0" smtClean="0"/>
+              <a:rPr lang="en-US" sz="1350" dirty="0"/>
               <a:t> Quang </a:t>
             </a:r>
             <a:r>
-              <a:rPr lang="en-US" dirty="0" err="1" smtClean="0"/>
+              <a:rPr lang="en-US" sz="1350" dirty="0" err="1"/>
               <a:t>Hậu</a:t>
             </a:r>
-            <a:endParaRPr lang="en-US" dirty="0" smtClean="0"/>
+            <a:endParaRPr lang="en-US" sz="1350" dirty="0"/>
           </a:p>
         </p:txBody>
       </p:sp>
@@ -6081,8 +6243,8 @@
         </p:nvSpPr>
         <p:spPr>
           <a:xfrm>
-            <a:off x="7074090" y="4831833"/>
-            <a:ext cx="2374710" cy="369332"/>
+            <a:off x="5305566" y="3953091"/>
+            <a:ext cx="1781033" cy="300082"/>
           </a:xfrm>
           <a:prstGeom prst="rect">
             <a:avLst/>
@@ -6099,26 +6261,26 @@
           <a:lstStyle/>
           <a:p>
             <a:r>
-              <a:rPr lang="en-US" dirty="0" err="1" smtClean="0"/>
+              <a:rPr lang="en-US" sz="1350" dirty="0" err="1"/>
               <a:t>Trương</a:t>
             </a:r>
             <a:r>
-              <a:rPr lang="en-US" dirty="0" smtClean="0"/>
-              <a:t> </a:t>
-            </a:r>
-            <a:r>
-              <a:rPr lang="en-US" dirty="0" err="1" smtClean="0"/>
+              <a:rPr lang="en-US" sz="1350" dirty="0"/>
+              <a:t> </a:t>
+            </a:r>
+            <a:r>
+              <a:rPr lang="en-US" sz="1350" dirty="0" err="1"/>
               <a:t>Thành</a:t>
             </a:r>
             <a:r>
-              <a:rPr lang="en-US" dirty="0" smtClean="0"/>
-              <a:t> </a:t>
-            </a:r>
-            <a:r>
-              <a:rPr lang="en-US" dirty="0" err="1" smtClean="0"/>
+              <a:rPr lang="en-US" sz="1350" dirty="0"/>
+              <a:t> </a:t>
+            </a:r>
+            <a:r>
+              <a:rPr lang="en-US" sz="1350" dirty="0" err="1"/>
               <a:t>Chân</a:t>
             </a:r>
-            <a:endParaRPr lang="en-US" dirty="0" smtClean="0"/>
+            <a:endParaRPr lang="en-US" sz="1350" dirty="0"/>
           </a:p>
         </p:txBody>
       </p:sp>
@@ -6130,8 +6292,8 @@
         </p:nvSpPr>
         <p:spPr>
           <a:xfrm>
-            <a:off x="9195919" y="3858250"/>
-            <a:ext cx="2227072" cy="369332"/>
+            <a:off x="6896938" y="3222903"/>
+            <a:ext cx="1670304" cy="300082"/>
           </a:xfrm>
           <a:prstGeom prst="rect">
             <a:avLst/>
@@ -6148,26 +6310,100 @@
           <a:lstStyle/>
           <a:p>
             <a:r>
-              <a:rPr lang="en-US" dirty="0" err="1" smtClean="0"/>
+              <a:rPr lang="en-US" sz="1350" dirty="0" err="1"/>
               <a:t>Nguyễn</a:t>
             </a:r>
             <a:r>
-              <a:rPr lang="en-US" dirty="0" smtClean="0"/>
-              <a:t> </a:t>
-            </a:r>
-            <a:r>
-              <a:rPr lang="en-US" dirty="0" err="1" smtClean="0"/>
+              <a:rPr lang="en-US" sz="1350" dirty="0"/>
+              <a:t> </a:t>
+            </a:r>
+            <a:r>
+              <a:rPr lang="en-US" sz="1350" dirty="0" err="1"/>
               <a:t>Ngọc</a:t>
             </a:r>
             <a:r>
-              <a:rPr lang="en-US" dirty="0" smtClean="0"/>
-              <a:t> </a:t>
-            </a:r>
-            <a:r>
-              <a:rPr lang="en-US" dirty="0" err="1" smtClean="0"/>
+              <a:rPr lang="en-US" sz="1350" dirty="0"/>
+              <a:t> </a:t>
+            </a:r>
+            <a:r>
+              <a:rPr lang="en-US" sz="1350" dirty="0" err="1"/>
               <a:t>Bình</a:t>
             </a:r>
-            <a:endParaRPr lang="en-US" dirty="0" smtClean="0"/>
+            <a:endParaRPr lang="en-US" sz="1350" dirty="0"/>
+          </a:p>
+        </p:txBody>
+      </p:sp>
+      <p:sp>
+        <p:nvSpPr>
+          <p:cNvPr id="15" name="Title 2"/>
+          <p:cNvSpPr txBox="1">
+            <a:spLocks/>
+          </p:cNvSpPr>
+          <p:nvPr/>
+        </p:nvSpPr>
+        <p:spPr>
+          <a:xfrm>
+            <a:off x="457200" y="592428"/>
+            <a:ext cx="8229600" cy="687989"/>
+          </a:xfrm>
+          <a:prstGeom prst="rect">
+            <a:avLst/>
+          </a:prstGeom>
+        </p:spPr>
+        <p:txBody>
+          <a:bodyPr vert="horz" lIns="0" rIns="0" bIns="0" anchor="b">
+            <a:normAutofit/>
+          </a:bodyPr>
+          <a:lstStyle>
+            <a:lvl1pPr algn="l" rtl="0" eaLnBrk="1" latinLnBrk="0" hangingPunct="1">
+              <a:spcBef>
+                <a:spcPct val="0"/>
+              </a:spcBef>
+              <a:buNone/>
+              <a:defRPr kumimoji="0" sz="3750" b="0" kern="1200">
+                <a:ln>
+                  <a:noFill/>
+                </a:ln>
+                <a:solidFill>
+                  <a:schemeClr val="tx2"/>
+                </a:solidFill>
+                <a:effectLst/>
+                <a:latin typeface="+mj-lt"/>
+                <a:ea typeface="+mj-ea"/>
+                <a:cs typeface="+mj-cs"/>
+              </a:defRPr>
+            </a:lvl1pPr>
+          </a:lstStyle>
+          <a:p>
+            <a:r>
+              <a:rPr lang="en-US" dirty="0" err="1"/>
+              <a:t>Danh</a:t>
+            </a:r>
+            <a:r>
+              <a:rPr lang="en-US" dirty="0"/>
+              <a:t> </a:t>
+            </a:r>
+            <a:r>
+              <a:rPr lang="en-US" dirty="0" err="1"/>
+              <a:t>sách</a:t>
+            </a:r>
+            <a:r>
+              <a:rPr lang="en-US" dirty="0"/>
+              <a:t> </a:t>
+            </a:r>
+            <a:r>
+              <a:rPr lang="en-US" dirty="0" err="1"/>
+              <a:t>thành</a:t>
+            </a:r>
+            <a:r>
+              <a:rPr lang="en-US" dirty="0"/>
+              <a:t> </a:t>
+            </a:r>
+            <a:r>
+              <a:rPr lang="en-US" dirty="0" err="1"/>
+              <a:t>viên</a:t>
+            </a:r>
+            <a:endParaRPr lang="en-US" dirty="0"/>
           </a:p>
         </p:txBody>
       </p:sp>
@@ -6181,13 +6417,120 @@
   <p:clrMapOvr>
     <a:masterClrMapping/>
   </p:clrMapOvr>
-  <mc:AlternateContent xmlns:mc="http://schemas.openxmlformats.org/markup-compatibility/2006">
-    <mc:Choice xmlns:p14="http://schemas.microsoft.com/office/powerpoint/2010/main" Requires="p14">
+  <mc:AlternateContent xmlns:mc="http://schemas.openxmlformats.org/markup-compatibility/2006" xmlns:p14="http://schemas.microsoft.com/office/powerpoint/2010/main">
+    <mc:Choice Requires="p14">
       <p:transition spd="med" p14:dur="700">
         <p:fade/>
       </p:transition>
     </mc:Choice>
-    <mc:Fallback>
+    <mc:Fallback xmlns="">
+      <p:transition spd="med">
+        <p:fade/>
+      </p:transition>
+    </mc:Fallback>
+  </mc:AlternateContent>
+  <p:timing>
+    <p:tnLst>
+      <p:par>
+        <p:cTn id="1" dur="indefinite" restart="never" nodeType="tmRoot"/>
+      </p:par>
+    </p:tnLst>
+  </p:timing>
+</p:sld>
+</file>
+
+<file path=ppt/slides/slide12.xml><?xml version="1.0" encoding="utf-8"?>
+<p:sld xmlns:a="http://schemas.openxmlformats.org/drawingml/2006/main" xmlns:r="http://schemas.openxmlformats.org/officeDocument/2006/relationships" xmlns:p="http://schemas.openxmlformats.org/presentationml/2006/main">
+  <p:cSld>
+    <p:spTree>
+      <p:nvGrpSpPr>
+        <p:cNvPr id="1" name=""/>
+        <p:cNvGrpSpPr/>
+        <p:nvPr/>
+      </p:nvGrpSpPr>
+      <p:grpSpPr>
+        <a:xfrm>
+          <a:off x="0" y="0"/>
+          <a:ext cx="0" cy="0"/>
+          <a:chOff x="0" y="0"/>
+          <a:chExt cx="0" cy="0"/>
+        </a:xfrm>
+      </p:grpSpPr>
+      <p:sp>
+        <p:nvSpPr>
+          <p:cNvPr id="4" name="Title 2"/>
+          <p:cNvSpPr txBox="1">
+            <a:spLocks/>
+          </p:cNvSpPr>
+          <p:nvPr/>
+        </p:nvSpPr>
+        <p:spPr>
+          <a:xfrm>
+            <a:off x="457200" y="592428"/>
+            <a:ext cx="8229600" cy="687989"/>
+          </a:xfrm>
+          <a:prstGeom prst="rect">
+            <a:avLst/>
+          </a:prstGeom>
+        </p:spPr>
+        <p:txBody>
+          <a:bodyPr vert="horz" lIns="0" rIns="0" bIns="0" anchor="b">
+            <a:normAutofit/>
+          </a:bodyPr>
+          <a:lstStyle>
+            <a:lvl1pPr algn="l" rtl="0" eaLnBrk="1" latinLnBrk="0" hangingPunct="1">
+              <a:spcBef>
+                <a:spcPct val="0"/>
+              </a:spcBef>
+              <a:buNone/>
+              <a:defRPr kumimoji="0" sz="3750" b="0" kern="1200">
+                <a:ln>
+                  <a:noFill/>
+                </a:ln>
+                <a:solidFill>
+                  <a:schemeClr val="tx2"/>
+                </a:solidFill>
+                <a:effectLst/>
+                <a:latin typeface="+mj-lt"/>
+                <a:ea typeface="+mj-ea"/>
+                <a:cs typeface="+mj-cs"/>
+              </a:defRPr>
+            </a:lvl1pPr>
+          </a:lstStyle>
+          <a:p>
+            <a:r>
+              <a:rPr lang="en-US" dirty="0" err="1" smtClean="0"/>
+              <a:t>Hỏi</a:t>
+            </a:r>
+            <a:r>
+              <a:rPr lang="en-US" dirty="0" smtClean="0"/>
+              <a:t> </a:t>
+            </a:r>
+            <a:r>
+              <a:rPr lang="en-US" dirty="0" err="1" smtClean="0"/>
+              <a:t>đáp</a:t>
+            </a:r>
+            <a:endParaRPr lang="en-US" dirty="0"/>
+          </a:p>
+        </p:txBody>
+      </p:sp>
+    </p:spTree>
+    <p:extLst>
+      <p:ext uri="{BB962C8B-B14F-4D97-AF65-F5344CB8AC3E}">
+        <p14:creationId xmlns:p14="http://schemas.microsoft.com/office/powerpoint/2010/main" val="3029633335"/>
+      </p:ext>
+    </p:extLst>
+  </p:cSld>
+  <p:clrMapOvr>
+    <a:masterClrMapping/>
+  </p:clrMapOvr>
+  <mc:AlternateContent xmlns:mc="http://schemas.openxmlformats.org/markup-compatibility/2006" xmlns:p14="http://schemas.microsoft.com/office/powerpoint/2010/main">
+    <mc:Choice Requires="p14">
+      <p:transition spd="med" p14:dur="700">
+        <p:fade/>
+      </p:transition>
+    </mc:Choice>
+    <mc:Fallback xmlns="">
       <p:transition spd="med">
         <p:fade/>
       </p:transition>
@@ -6230,7 +6573,12 @@
             <p:ph idx="1"/>
           </p:nvPr>
         </p:nvSpPr>
-        <p:spPr/>
+        <p:spPr>
+          <a:xfrm>
+            <a:off x="457200" y="1407447"/>
+            <a:ext cx="8229600" cy="4389120"/>
+          </a:xfrm>
+        </p:spPr>
         <p:txBody>
           <a:bodyPr/>
           <a:lstStyle/>
@@ -6425,7 +6773,12 @@
             <p:ph type="title"/>
           </p:nvPr>
         </p:nvSpPr>
-        <p:spPr/>
+        <p:spPr>
+          <a:xfrm>
+            <a:off x="457200" y="592428"/>
+            <a:ext cx="8229600" cy="687989"/>
+          </a:xfrm>
+        </p:spPr>
         <p:txBody>
           <a:bodyPr/>
           <a:lstStyle/>
@@ -6513,463 +6866,462 @@
             <p:ph idx="1"/>
           </p:nvPr>
         </p:nvSpPr>
-        <p:spPr/>
+        <p:spPr>
+          <a:xfrm>
+            <a:off x="457200" y="1407447"/>
+            <a:ext cx="8229600" cy="4389120"/>
+          </a:xfrm>
+        </p:spPr>
         <p:txBody>
           <a:bodyPr/>
           <a:lstStyle/>
           <a:p>
             <a:r>
-              <a:rPr lang="en-US" dirty="0" err="1" smtClean="0"/>
+              <a:rPr lang="en-US" dirty="0" err="1"/>
               <a:t>Tên</a:t>
             </a:r>
             <a:r>
-              <a:rPr lang="en-US" dirty="0" smtClean="0"/>
-              <a:t> </a:t>
-            </a:r>
-            <a:r>
-              <a:rPr lang="en-US" dirty="0" err="1" smtClean="0"/>
+              <a:rPr lang="en-US" dirty="0"/>
+              <a:t> </a:t>
+            </a:r>
+            <a:r>
+              <a:rPr lang="en-US" dirty="0" err="1"/>
               <a:t>đề</a:t>
             </a:r>
             <a:r>
-              <a:rPr lang="en-US" dirty="0" smtClean="0"/>
-              <a:t> </a:t>
-            </a:r>
-            <a:r>
-              <a:rPr lang="en-US" dirty="0" err="1" smtClean="0"/>
+              <a:rPr lang="en-US" dirty="0"/>
+              <a:t> </a:t>
+            </a:r>
+            <a:r>
+              <a:rPr lang="en-US" dirty="0" err="1"/>
               <a:t>tài</a:t>
             </a:r>
             <a:r>
-              <a:rPr lang="en-US" dirty="0" smtClean="0"/>
+              <a:rPr lang="en-US" dirty="0"/>
               <a:t>: Website </a:t>
             </a:r>
             <a:r>
-              <a:rPr lang="en-US" dirty="0" err="1" smtClean="0"/>
+              <a:rPr lang="en-US" dirty="0" err="1"/>
               <a:t>quảng</a:t>
             </a:r>
             <a:r>
-              <a:rPr lang="en-US" dirty="0" smtClean="0"/>
-              <a:t> </a:t>
-            </a:r>
-            <a:r>
-              <a:rPr lang="en-US" dirty="0" err="1" smtClean="0"/>
+              <a:rPr lang="en-US" dirty="0"/>
+              <a:t> </a:t>
+            </a:r>
+            <a:r>
+              <a:rPr lang="en-US" dirty="0" err="1"/>
               <a:t>bá</a:t>
             </a:r>
             <a:r>
-              <a:rPr lang="en-US" dirty="0" smtClean="0"/>
-              <a:t> </a:t>
-            </a:r>
-            <a:r>
-              <a:rPr lang="en-US" dirty="0" err="1" smtClean="0"/>
+              <a:rPr lang="en-US" dirty="0"/>
+              <a:t> </a:t>
+            </a:r>
+            <a:r>
+              <a:rPr lang="en-US" dirty="0" err="1"/>
               <a:t>địa</a:t>
             </a:r>
             <a:r>
-              <a:rPr lang="en-US" dirty="0" smtClean="0"/>
-              <a:t> </a:t>
-            </a:r>
-            <a:r>
-              <a:rPr lang="en-US" dirty="0" err="1" smtClean="0"/>
+              <a:rPr lang="en-US" dirty="0"/>
+              <a:t> </a:t>
+            </a:r>
+            <a:r>
+              <a:rPr lang="en-US" dirty="0" err="1"/>
               <a:t>điểm</a:t>
             </a:r>
             <a:r>
-              <a:rPr lang="en-US" dirty="0" smtClean="0"/>
-              <a:t> </a:t>
-            </a:r>
-            <a:r>
-              <a:rPr lang="en-US" dirty="0" err="1" smtClean="0"/>
+              <a:rPr lang="en-US" dirty="0"/>
+              <a:t> </a:t>
+            </a:r>
+            <a:r>
+              <a:rPr lang="en-US" dirty="0" err="1"/>
               <a:t>nổi</a:t>
             </a:r>
             <a:r>
-              <a:rPr lang="en-US" dirty="0" smtClean="0"/>
-              <a:t> </a:t>
-            </a:r>
-            <a:r>
-              <a:rPr lang="en-US" dirty="0" err="1" smtClean="0"/>
+              <a:rPr lang="en-US" dirty="0"/>
+              <a:t> </a:t>
+            </a:r>
+            <a:r>
+              <a:rPr lang="en-US" dirty="0" err="1"/>
               <a:t>tiếng</a:t>
             </a:r>
             <a:r>
-              <a:rPr lang="en-US" dirty="0" smtClean="0"/>
-              <a:t> </a:t>
-            </a:r>
-            <a:r>
-              <a:rPr lang="en-US" dirty="0" err="1" smtClean="0"/>
+              <a:rPr lang="en-US" dirty="0"/>
+              <a:t> </a:t>
+            </a:r>
+            <a:r>
+              <a:rPr lang="en-US" dirty="0" err="1"/>
               <a:t>về</a:t>
             </a:r>
             <a:r>
-              <a:rPr lang="en-US" dirty="0" smtClean="0"/>
+              <a:rPr lang="en-US" dirty="0"/>
               <a:t> café.</a:t>
             </a:r>
+          </a:p>
+          <a:p>
+            <a:r>
+              <a:rPr lang="en-US" dirty="0" err="1"/>
+              <a:t>Nội</a:t>
+            </a:r>
+            <a:r>
+              <a:rPr lang="en-US" dirty="0"/>
+              <a:t> dung: </a:t>
+            </a:r>
+            <a:r>
+              <a:rPr lang="en-US" dirty="0" err="1"/>
+              <a:t>Giới</a:t>
+            </a:r>
+            <a:r>
+              <a:rPr lang="en-US" dirty="0"/>
+              <a:t> </a:t>
+            </a:r>
+            <a:r>
+              <a:rPr lang="en-US" dirty="0" err="1"/>
+              <a:t>thiệu</a:t>
+            </a:r>
+            <a:r>
+              <a:rPr lang="en-US" dirty="0"/>
+              <a:t> </a:t>
+            </a:r>
+            <a:r>
+              <a:rPr lang="en-US" dirty="0" err="1"/>
+              <a:t>về</a:t>
+            </a:r>
+            <a:r>
+              <a:rPr lang="en-US" dirty="0"/>
+              <a:t> </a:t>
+            </a:r>
+            <a:r>
+              <a:rPr lang="en-US" dirty="0" err="1"/>
+              <a:t>các</a:t>
+            </a:r>
+            <a:r>
+              <a:rPr lang="en-US" dirty="0"/>
+              <a:t> </a:t>
+            </a:r>
+            <a:r>
+              <a:rPr lang="en-US" dirty="0" err="1"/>
+              <a:t>địa</a:t>
+            </a:r>
+            <a:r>
+              <a:rPr lang="en-US" dirty="0"/>
+              <a:t> </a:t>
+            </a:r>
+            <a:r>
+              <a:rPr lang="en-US" dirty="0" err="1"/>
+              <a:t>điểm</a:t>
+            </a:r>
+            <a:r>
+              <a:rPr lang="en-US" dirty="0"/>
+              <a:t> </a:t>
+            </a:r>
+            <a:r>
+              <a:rPr lang="en-US" dirty="0" err="1"/>
+              <a:t>nổi</a:t>
+            </a:r>
+            <a:r>
+              <a:rPr lang="en-US" dirty="0"/>
+              <a:t> </a:t>
+            </a:r>
+            <a:r>
+              <a:rPr lang="en-US" dirty="0" err="1"/>
+              <a:t>tiếng</a:t>
+            </a:r>
+            <a:r>
+              <a:rPr lang="en-US" dirty="0"/>
+              <a:t> </a:t>
+            </a:r>
+            <a:r>
+              <a:rPr lang="en-US" dirty="0" err="1"/>
+              <a:t>về</a:t>
+            </a:r>
+            <a:r>
+              <a:rPr lang="en-US" dirty="0"/>
+              <a:t> café </a:t>
+            </a:r>
+            <a:r>
+              <a:rPr lang="en-US" dirty="0" err="1"/>
+              <a:t>và</a:t>
+            </a:r>
+            <a:r>
+              <a:rPr lang="en-US" dirty="0"/>
+              <a:t> </a:t>
+            </a:r>
+            <a:r>
+              <a:rPr lang="en-US" dirty="0" err="1"/>
+              <a:t>các</a:t>
+            </a:r>
+            <a:r>
+              <a:rPr lang="en-US" dirty="0"/>
+              <a:t> </a:t>
+            </a:r>
+            <a:r>
+              <a:rPr lang="en-US" dirty="0" err="1"/>
+              <a:t>cách</a:t>
+            </a:r>
+            <a:r>
+              <a:rPr lang="en-US" dirty="0"/>
+              <a:t> </a:t>
+            </a:r>
+            <a:r>
+              <a:rPr lang="en-US" dirty="0" err="1"/>
+              <a:t>thức</a:t>
+            </a:r>
+            <a:r>
+              <a:rPr lang="en-US" dirty="0"/>
+              <a:t> </a:t>
+            </a:r>
+            <a:r>
+              <a:rPr lang="en-US" dirty="0" err="1"/>
+              <a:t>chế</a:t>
+            </a:r>
+            <a:r>
+              <a:rPr lang="en-US" dirty="0"/>
+              <a:t> </a:t>
+            </a:r>
+            <a:r>
+              <a:rPr lang="en-US" dirty="0" err="1"/>
+              <a:t>biến</a:t>
+            </a:r>
+            <a:r>
+              <a:rPr lang="en-US" dirty="0"/>
+              <a:t> </a:t>
+            </a:r>
+            <a:r>
+              <a:rPr lang="en-US" dirty="0" err="1"/>
+              <a:t>từ</a:t>
+            </a:r>
+            <a:r>
+              <a:rPr lang="en-US" dirty="0"/>
+              <a:t> café.</a:t>
+            </a:r>
+          </a:p>
+          <a:p>
+            <a:r>
+              <a:rPr lang="en-US" dirty="0" err="1"/>
+              <a:t>Vấn</a:t>
+            </a:r>
+            <a:r>
+              <a:rPr lang="en-US" dirty="0"/>
+              <a:t> </a:t>
+            </a:r>
+            <a:r>
+              <a:rPr lang="en-US" dirty="0" err="1"/>
+              <a:t>đề</a:t>
+            </a:r>
+            <a:r>
+              <a:rPr lang="en-US" dirty="0"/>
+              <a:t>:</a:t>
+            </a:r>
+          </a:p>
+          <a:p>
+            <a:pPr lvl="1"/>
+            <a:r>
+              <a:rPr lang="en-US" dirty="0" err="1"/>
+              <a:t>Khó</a:t>
+            </a:r>
+            <a:r>
+              <a:rPr lang="en-US" dirty="0"/>
+              <a:t> </a:t>
+            </a:r>
+            <a:r>
+              <a:rPr lang="en-US" dirty="0" err="1"/>
+              <a:t>khăn</a:t>
+            </a:r>
+            <a:r>
+              <a:rPr lang="en-US" dirty="0"/>
+              <a:t> </a:t>
+            </a:r>
+            <a:r>
+              <a:rPr lang="en-US" dirty="0" err="1"/>
+              <a:t>trong</a:t>
+            </a:r>
+            <a:r>
+              <a:rPr lang="en-US" dirty="0"/>
+              <a:t> </a:t>
+            </a:r>
+            <a:r>
+              <a:rPr lang="en-US" dirty="0" err="1"/>
+              <a:t>việc</a:t>
+            </a:r>
+            <a:r>
+              <a:rPr lang="en-US" dirty="0"/>
+              <a:t> </a:t>
+            </a:r>
+            <a:r>
+              <a:rPr lang="en-US" dirty="0" err="1"/>
+              <a:t>tìm</a:t>
+            </a:r>
+            <a:r>
+              <a:rPr lang="en-US" dirty="0"/>
+              <a:t> </a:t>
+            </a:r>
+            <a:r>
+              <a:rPr lang="en-US" dirty="0" err="1"/>
+              <a:t>kiếm</a:t>
+            </a:r>
+            <a:r>
+              <a:rPr lang="en-US" dirty="0"/>
+              <a:t> </a:t>
+            </a:r>
+            <a:r>
+              <a:rPr lang="en-US" dirty="0" err="1"/>
+              <a:t>các</a:t>
+            </a:r>
+            <a:r>
+              <a:rPr lang="en-US" dirty="0"/>
+              <a:t> </a:t>
+            </a:r>
+            <a:r>
+              <a:rPr lang="en-US" dirty="0" err="1"/>
+              <a:t>địa</a:t>
+            </a:r>
+            <a:r>
+              <a:rPr lang="en-US" dirty="0"/>
+              <a:t> </a:t>
+            </a:r>
+            <a:r>
+              <a:rPr lang="en-US" dirty="0" err="1"/>
+              <a:t>điểm</a:t>
+            </a:r>
+            <a:r>
+              <a:rPr lang="en-US" dirty="0"/>
+              <a:t> café.</a:t>
+            </a:r>
+          </a:p>
+          <a:p>
+            <a:pPr lvl="1"/>
+            <a:r>
+              <a:rPr lang="en-US" dirty="0" err="1"/>
+              <a:t>Các</a:t>
+            </a:r>
+            <a:r>
+              <a:rPr lang="en-US" dirty="0"/>
+              <a:t> </a:t>
+            </a:r>
+            <a:r>
+              <a:rPr lang="en-US" dirty="0" err="1"/>
+              <a:t>hướng</a:t>
+            </a:r>
+            <a:r>
+              <a:rPr lang="en-US" dirty="0"/>
+              <a:t> </a:t>
+            </a:r>
+            <a:r>
+              <a:rPr lang="en-US" dirty="0" err="1"/>
+              <a:t>dẫn</a:t>
+            </a:r>
+            <a:r>
+              <a:rPr lang="en-US" dirty="0"/>
+              <a:t> </a:t>
+            </a:r>
+            <a:r>
+              <a:rPr lang="en-US" dirty="0" err="1"/>
+              <a:t>phụ</a:t>
+            </a:r>
+            <a:r>
+              <a:rPr lang="en-US" dirty="0"/>
+              <a:t> </a:t>
+            </a:r>
+            <a:r>
+              <a:rPr lang="en-US" dirty="0" err="1"/>
+              <a:t>trợ</a:t>
+            </a:r>
+            <a:r>
+              <a:rPr lang="en-US" dirty="0"/>
+              <a:t> </a:t>
+            </a:r>
+            <a:r>
+              <a:rPr lang="en-US" dirty="0" err="1"/>
+              <a:t>như</a:t>
+            </a:r>
+            <a:r>
+              <a:rPr lang="en-US" dirty="0"/>
+              <a:t> </a:t>
+            </a:r>
+            <a:r>
+              <a:rPr lang="en-US" dirty="0" err="1"/>
+              <a:t>tìm</a:t>
+            </a:r>
+            <a:r>
+              <a:rPr lang="en-US" dirty="0"/>
+              <a:t> </a:t>
+            </a:r>
+            <a:r>
+              <a:rPr lang="en-US" dirty="0" err="1"/>
+              <a:t>địa</a:t>
+            </a:r>
+            <a:r>
+              <a:rPr lang="en-US" dirty="0"/>
+              <a:t> </a:t>
+            </a:r>
+            <a:r>
+              <a:rPr lang="en-US" dirty="0" err="1"/>
+              <a:t>điểm</a:t>
+            </a:r>
+            <a:r>
+              <a:rPr lang="en-US" dirty="0"/>
+              <a:t>, </a:t>
+            </a:r>
+            <a:r>
+              <a:rPr lang="en-US" dirty="0" err="1"/>
+              <a:t>đánh</a:t>
+            </a:r>
+            <a:r>
+              <a:rPr lang="en-US" dirty="0"/>
+              <a:t> </a:t>
+            </a:r>
+            <a:r>
+              <a:rPr lang="en-US" dirty="0" err="1"/>
+              <a:t>giá</a:t>
+            </a:r>
+            <a:r>
+              <a:rPr lang="en-US" dirty="0"/>
+              <a:t> </a:t>
+            </a:r>
+            <a:r>
+              <a:rPr lang="en-US" dirty="0" err="1"/>
+              <a:t>địa</a:t>
+            </a:r>
+            <a:r>
+              <a:rPr lang="en-US" dirty="0"/>
+              <a:t> </a:t>
+            </a:r>
+            <a:r>
+              <a:rPr lang="en-US" dirty="0" err="1"/>
+              <a:t>điểm</a:t>
+            </a:r>
+            <a:r>
+              <a:rPr lang="en-US" dirty="0"/>
+              <a:t>… </a:t>
+            </a:r>
+            <a:r>
+              <a:rPr lang="en-US" dirty="0" err="1"/>
+              <a:t>còn</a:t>
+            </a:r>
+            <a:r>
+              <a:rPr lang="en-US" dirty="0"/>
+              <a:t> </a:t>
+            </a:r>
+            <a:r>
+              <a:rPr lang="en-US" dirty="0" err="1"/>
+              <a:t>sơ</a:t>
+            </a:r>
+            <a:r>
+              <a:rPr lang="en-US" dirty="0"/>
+              <a:t> </a:t>
+            </a:r>
+            <a:r>
+              <a:rPr lang="en-US" dirty="0" err="1"/>
+              <a:t>sài</a:t>
+            </a:r>
+            <a:r>
+              <a:rPr lang="en-US" dirty="0"/>
+              <a:t>.</a:t>
+            </a:r>
+          </a:p>
+          <a:p>
+            <a:pPr lvl="1"/>
             <a:endParaRPr lang="en-US" dirty="0"/>
-          </a:p>
-          <a:p>
-            <a:r>
-              <a:rPr lang="en-US" dirty="0" err="1" smtClean="0"/>
-              <a:t>Nội</a:t>
-            </a:r>
-            <a:r>
-              <a:rPr lang="en-US" dirty="0" smtClean="0"/>
-              <a:t> dung: </a:t>
-            </a:r>
-            <a:r>
-              <a:rPr lang="en-US" dirty="0" err="1" smtClean="0"/>
-              <a:t>Giới</a:t>
-            </a:r>
-            <a:r>
-              <a:rPr lang="en-US" dirty="0" smtClean="0"/>
-              <a:t> </a:t>
-            </a:r>
-            <a:r>
-              <a:rPr lang="en-US" dirty="0" err="1" smtClean="0"/>
-              <a:t>thiệu</a:t>
-            </a:r>
-            <a:r>
-              <a:rPr lang="en-US" dirty="0" smtClean="0"/>
-              <a:t> </a:t>
-            </a:r>
-            <a:r>
-              <a:rPr lang="en-US" dirty="0" err="1" smtClean="0"/>
-              <a:t>về</a:t>
-            </a:r>
-            <a:r>
-              <a:rPr lang="en-US" dirty="0" smtClean="0"/>
-              <a:t> </a:t>
-            </a:r>
-            <a:r>
-              <a:rPr lang="en-US" dirty="0" err="1" smtClean="0"/>
-              <a:t>các</a:t>
-            </a:r>
-            <a:r>
-              <a:rPr lang="en-US" dirty="0" smtClean="0"/>
-              <a:t> </a:t>
-            </a:r>
-            <a:r>
-              <a:rPr lang="en-US" dirty="0" err="1" smtClean="0"/>
-              <a:t>địa</a:t>
-            </a:r>
-            <a:r>
-              <a:rPr lang="en-US" dirty="0" smtClean="0"/>
-              <a:t> </a:t>
-            </a:r>
-            <a:r>
-              <a:rPr lang="en-US" dirty="0" err="1" smtClean="0"/>
-              <a:t>điểm</a:t>
-            </a:r>
-            <a:r>
-              <a:rPr lang="en-US" dirty="0" smtClean="0"/>
-              <a:t> </a:t>
-            </a:r>
-            <a:r>
-              <a:rPr lang="en-US" dirty="0" err="1" smtClean="0"/>
-              <a:t>nổi</a:t>
-            </a:r>
-            <a:r>
-              <a:rPr lang="en-US" dirty="0" smtClean="0"/>
-              <a:t> </a:t>
-            </a:r>
-            <a:r>
-              <a:rPr lang="en-US" dirty="0" err="1" smtClean="0"/>
-              <a:t>tiếng</a:t>
-            </a:r>
-            <a:r>
-              <a:rPr lang="en-US" dirty="0" smtClean="0"/>
-              <a:t> </a:t>
-            </a:r>
-            <a:r>
-              <a:rPr lang="en-US" dirty="0" err="1" smtClean="0"/>
-              <a:t>về</a:t>
-            </a:r>
-            <a:r>
-              <a:rPr lang="en-US" dirty="0" smtClean="0"/>
-              <a:t> café </a:t>
-            </a:r>
-            <a:r>
-              <a:rPr lang="en-US" dirty="0" err="1" smtClean="0"/>
-              <a:t>và</a:t>
-            </a:r>
-            <a:r>
-              <a:rPr lang="en-US" dirty="0" smtClean="0"/>
-              <a:t> </a:t>
-            </a:r>
-            <a:r>
-              <a:rPr lang="en-US" dirty="0" err="1" smtClean="0"/>
-              <a:t>các</a:t>
-            </a:r>
-            <a:r>
-              <a:rPr lang="en-US" dirty="0" smtClean="0"/>
-              <a:t> </a:t>
-            </a:r>
-            <a:r>
-              <a:rPr lang="en-US" dirty="0" err="1" smtClean="0"/>
-              <a:t>cách</a:t>
-            </a:r>
-            <a:r>
-              <a:rPr lang="en-US" dirty="0" smtClean="0"/>
-              <a:t> </a:t>
-            </a:r>
-            <a:r>
-              <a:rPr lang="en-US" dirty="0" err="1" smtClean="0"/>
-              <a:t>thức</a:t>
-            </a:r>
-            <a:r>
-              <a:rPr lang="en-US" dirty="0" smtClean="0"/>
-              <a:t> </a:t>
-            </a:r>
-            <a:r>
-              <a:rPr lang="en-US" dirty="0" err="1" smtClean="0"/>
-              <a:t>chế</a:t>
-            </a:r>
-            <a:r>
-              <a:rPr lang="en-US" dirty="0" smtClean="0"/>
-              <a:t> </a:t>
-            </a:r>
-            <a:r>
-              <a:rPr lang="en-US" dirty="0" err="1" smtClean="0"/>
-              <a:t>biến</a:t>
-            </a:r>
-            <a:r>
-              <a:rPr lang="en-US" dirty="0" smtClean="0"/>
-              <a:t> </a:t>
-            </a:r>
-            <a:r>
-              <a:rPr lang="en-US" dirty="0" err="1" smtClean="0"/>
-              <a:t>từ</a:t>
-            </a:r>
-            <a:r>
-              <a:rPr lang="en-US" dirty="0" smtClean="0"/>
-              <a:t> café.</a:t>
-            </a:r>
-            <a:endParaRPr lang="en-US" dirty="0"/>
-          </a:p>
-          <a:p>
-            <a:r>
-              <a:rPr lang="en-US" dirty="0" err="1" smtClean="0"/>
-              <a:t>Vấn</a:t>
-            </a:r>
-            <a:r>
-              <a:rPr lang="en-US" dirty="0" smtClean="0"/>
-              <a:t> </a:t>
-            </a:r>
-            <a:r>
-              <a:rPr lang="en-US" dirty="0" err="1" smtClean="0"/>
-              <a:t>đề</a:t>
-            </a:r>
-            <a:r>
-              <a:rPr lang="en-US" dirty="0" smtClean="0"/>
-              <a:t>:</a:t>
-            </a:r>
-          </a:p>
-          <a:p>
-            <a:pPr lvl="1"/>
-            <a:r>
-              <a:rPr lang="en-US" dirty="0" err="1"/>
-              <a:t>Khó</a:t>
-            </a:r>
-            <a:r>
-              <a:rPr lang="en-US" dirty="0"/>
-              <a:t> </a:t>
-            </a:r>
-            <a:r>
-              <a:rPr lang="en-US" dirty="0" err="1"/>
-              <a:t>khăn</a:t>
-            </a:r>
-            <a:r>
-              <a:rPr lang="en-US" dirty="0"/>
-              <a:t> </a:t>
-            </a:r>
-            <a:r>
-              <a:rPr lang="en-US" dirty="0" err="1"/>
-              <a:t>trong</a:t>
-            </a:r>
-            <a:r>
-              <a:rPr lang="en-US" dirty="0"/>
-              <a:t> </a:t>
-            </a:r>
-            <a:r>
-              <a:rPr lang="en-US" dirty="0" err="1"/>
-              <a:t>việc</a:t>
-            </a:r>
-            <a:r>
-              <a:rPr lang="en-US" dirty="0"/>
-              <a:t> </a:t>
-            </a:r>
-            <a:r>
-              <a:rPr lang="en-US" dirty="0" err="1"/>
-              <a:t>tìm</a:t>
-            </a:r>
-            <a:r>
-              <a:rPr lang="en-US" dirty="0"/>
-              <a:t> </a:t>
-            </a:r>
-            <a:r>
-              <a:rPr lang="en-US" dirty="0" err="1"/>
-              <a:t>kiếm</a:t>
-            </a:r>
-            <a:r>
-              <a:rPr lang="en-US" dirty="0"/>
-              <a:t> </a:t>
-            </a:r>
-            <a:r>
-              <a:rPr lang="en-US" dirty="0" err="1"/>
-              <a:t>các</a:t>
-            </a:r>
-            <a:r>
-              <a:rPr lang="en-US" dirty="0"/>
-              <a:t> </a:t>
-            </a:r>
-            <a:r>
-              <a:rPr lang="en-US" dirty="0" err="1"/>
-              <a:t>địa</a:t>
-            </a:r>
-            <a:r>
-              <a:rPr lang="en-US" dirty="0"/>
-              <a:t> </a:t>
-            </a:r>
-            <a:r>
-              <a:rPr lang="en-US" dirty="0" err="1"/>
-              <a:t>điểm</a:t>
-            </a:r>
-            <a:r>
-              <a:rPr lang="en-US" dirty="0"/>
-              <a:t> </a:t>
-            </a:r>
-            <a:r>
-              <a:rPr lang="en-US" dirty="0" smtClean="0"/>
-              <a:t>café.</a:t>
-            </a:r>
-          </a:p>
-          <a:p>
-            <a:pPr lvl="1"/>
-            <a:r>
-              <a:rPr lang="en-US" dirty="0" err="1" smtClean="0"/>
-              <a:t>Các</a:t>
-            </a:r>
-            <a:r>
-              <a:rPr lang="en-US" dirty="0" smtClean="0"/>
-              <a:t> </a:t>
-            </a:r>
-            <a:r>
-              <a:rPr lang="en-US" dirty="0" err="1" smtClean="0"/>
-              <a:t>hướng</a:t>
-            </a:r>
-            <a:r>
-              <a:rPr lang="en-US" dirty="0" smtClean="0"/>
-              <a:t> </a:t>
-            </a:r>
-            <a:r>
-              <a:rPr lang="en-US" dirty="0" err="1"/>
-              <a:t>dẫn</a:t>
-            </a:r>
-            <a:r>
-              <a:rPr lang="en-US" dirty="0"/>
-              <a:t> </a:t>
-            </a:r>
-            <a:r>
-              <a:rPr lang="en-US" dirty="0" err="1"/>
-              <a:t>phụ</a:t>
-            </a:r>
-            <a:r>
-              <a:rPr lang="en-US" dirty="0"/>
-              <a:t> </a:t>
-            </a:r>
-            <a:r>
-              <a:rPr lang="en-US" dirty="0" err="1" smtClean="0"/>
-              <a:t>trợ</a:t>
-            </a:r>
-            <a:r>
-              <a:rPr lang="en-US" dirty="0"/>
-              <a:t> </a:t>
-            </a:r>
-            <a:r>
-              <a:rPr lang="en-US" dirty="0" err="1" smtClean="0"/>
-              <a:t>như</a:t>
-            </a:r>
-            <a:r>
-              <a:rPr lang="en-US" dirty="0" smtClean="0"/>
-              <a:t> </a:t>
-            </a:r>
-            <a:r>
-              <a:rPr lang="en-US" dirty="0" err="1" smtClean="0"/>
-              <a:t>tìm</a:t>
-            </a:r>
-            <a:r>
-              <a:rPr lang="en-US" dirty="0" smtClean="0"/>
-              <a:t> </a:t>
-            </a:r>
-            <a:r>
-              <a:rPr lang="en-US" dirty="0" err="1" smtClean="0"/>
-              <a:t>địa</a:t>
-            </a:r>
-            <a:r>
-              <a:rPr lang="en-US" dirty="0" smtClean="0"/>
-              <a:t> </a:t>
-            </a:r>
-            <a:r>
-              <a:rPr lang="en-US" dirty="0" err="1" smtClean="0"/>
-              <a:t>điểm</a:t>
-            </a:r>
-            <a:r>
-              <a:rPr lang="en-US" dirty="0" smtClean="0"/>
-              <a:t>, </a:t>
-            </a:r>
-            <a:r>
-              <a:rPr lang="en-US" dirty="0" err="1" smtClean="0"/>
-              <a:t>đánh</a:t>
-            </a:r>
-            <a:r>
-              <a:rPr lang="en-US" dirty="0" smtClean="0"/>
-              <a:t> </a:t>
-            </a:r>
-            <a:r>
-              <a:rPr lang="en-US" dirty="0" err="1" smtClean="0"/>
-              <a:t>giá</a:t>
-            </a:r>
-            <a:r>
-              <a:rPr lang="en-US" dirty="0" smtClean="0"/>
-              <a:t> </a:t>
-            </a:r>
-            <a:r>
-              <a:rPr lang="en-US" dirty="0" err="1" smtClean="0"/>
-              <a:t>địa</a:t>
-            </a:r>
-            <a:r>
-              <a:rPr lang="en-US" dirty="0" smtClean="0"/>
-              <a:t> </a:t>
-            </a:r>
-            <a:r>
-              <a:rPr lang="en-US" dirty="0" err="1" smtClean="0"/>
-              <a:t>điểm</a:t>
-            </a:r>
-            <a:r>
-              <a:rPr lang="en-US" dirty="0" smtClean="0"/>
-              <a:t>… </a:t>
-            </a:r>
-            <a:r>
-              <a:rPr lang="en-US" dirty="0" err="1" smtClean="0"/>
-              <a:t>còn</a:t>
-            </a:r>
-            <a:r>
-              <a:rPr lang="en-US" dirty="0" smtClean="0"/>
-              <a:t> </a:t>
-            </a:r>
-            <a:r>
-              <a:rPr lang="en-US" dirty="0" err="1" smtClean="0"/>
-              <a:t>sơ</a:t>
-            </a:r>
-            <a:r>
-              <a:rPr lang="en-US" dirty="0" smtClean="0"/>
-              <a:t> </a:t>
-            </a:r>
-            <a:r>
-              <a:rPr lang="en-US" dirty="0" err="1" smtClean="0"/>
-              <a:t>sài</a:t>
-            </a:r>
-            <a:r>
-              <a:rPr lang="en-US" dirty="0" smtClean="0"/>
-              <a:t>.</a:t>
-            </a:r>
-          </a:p>
-          <a:p>
-            <a:pPr lvl="1"/>
-            <a:endParaRPr lang="en-US" dirty="0" smtClean="0"/>
           </a:p>
         </p:txBody>
       </p:sp>
@@ -6983,21 +7335,26 @@
             <p:ph type="title"/>
           </p:nvPr>
         </p:nvSpPr>
-        <p:spPr/>
+        <p:spPr>
+          <a:xfrm>
+            <a:off x="457200" y="592428"/>
+            <a:ext cx="8229600" cy="687989"/>
+          </a:xfrm>
+        </p:spPr>
         <p:txBody>
           <a:bodyPr/>
           <a:lstStyle/>
           <a:p>
             <a:r>
-              <a:rPr lang="en-US" dirty="0" err="1" smtClean="0"/>
+              <a:rPr lang="en-US" dirty="0" err="1"/>
               <a:t>Giới</a:t>
             </a:r>
             <a:r>
-              <a:rPr lang="en-US" dirty="0" smtClean="0"/>
-              <a:t> </a:t>
-            </a:r>
-            <a:r>
-              <a:rPr lang="en-US" dirty="0" err="1" smtClean="0"/>
+              <a:rPr lang="en-US" dirty="0"/>
+              <a:t> </a:t>
+            </a:r>
+            <a:r>
+              <a:rPr lang="en-US" dirty="0" err="1"/>
               <a:t>thiệu</a:t>
             </a:r>
             <a:endParaRPr lang="en-US" dirty="0"/>
@@ -7007,7 +7364,7 @@
     </p:spTree>
     <p:extLst>
       <p:ext uri="{BB962C8B-B14F-4D97-AF65-F5344CB8AC3E}">
-        <p14:creationId xmlns:p14="http://schemas.microsoft.com/office/powerpoint/2010/main" val="3339554045"/>
+        <p14:creationId xmlns:p14="http://schemas.microsoft.com/office/powerpoint/2010/main" val="4019291752"/>
       </p:ext>
     </p:extLst>
   </p:cSld>
@@ -7065,8 +7422,8 @@
         </p:nvSpPr>
         <p:spPr>
           <a:xfrm>
-            <a:off x="609600" y="1847088"/>
-            <a:ext cx="4394200" cy="4477512"/>
+            <a:off x="457200" y="1407447"/>
+            <a:ext cx="3148885" cy="4389120"/>
           </a:xfrm>
         </p:spPr>
         <p:txBody>
@@ -7074,27 +7431,27 @@
           <a:lstStyle/>
           <a:p>
             <a:r>
-              <a:rPr lang="en-US" dirty="0" err="1" smtClean="0"/>
+              <a:rPr lang="en-US" dirty="0" err="1"/>
               <a:t>Quán</a:t>
             </a:r>
             <a:r>
-              <a:rPr lang="en-US" dirty="0" smtClean="0"/>
+              <a:rPr lang="en-US" dirty="0"/>
               <a:t> café </a:t>
             </a:r>
             <a:r>
-              <a:rPr lang="en-US" dirty="0" err="1" smtClean="0"/>
+              <a:rPr lang="en-US" dirty="0" err="1"/>
               <a:t>trực</a:t>
             </a:r>
             <a:r>
-              <a:rPr lang="en-US" dirty="0" smtClean="0"/>
-              <a:t> </a:t>
-            </a:r>
-            <a:r>
-              <a:rPr lang="en-US" dirty="0" err="1" smtClean="0"/>
+              <a:rPr lang="en-US" dirty="0"/>
+              <a:t> </a:t>
+            </a:r>
+            <a:r>
+              <a:rPr lang="en-US" dirty="0" err="1"/>
               <a:t>tuyến</a:t>
             </a:r>
             <a:r>
-              <a:rPr lang="en-US" dirty="0" smtClean="0"/>
+              <a:rPr lang="en-US" dirty="0"/>
               <a:t>.</a:t>
             </a:r>
           </a:p>
@@ -7103,48 +7460,42 @@
               <a:rPr lang="en-US" dirty="0">
                 <a:hlinkClick r:id="rId2"/>
               </a:rPr>
-              <a:t>http://quancafe.vn</a:t>
-            </a:r>
-            <a:r>
-              <a:rPr lang="en-US" dirty="0" smtClean="0">
-                <a:hlinkClick r:id="rId2"/>
-              </a:rPr>
-              <a:t>/</a:t>
-            </a:r>
-            <a:endParaRPr lang="en-US" dirty="0" smtClean="0"/>
+              <a:t>http://quancafe.vn/</a:t>
+            </a:r>
+            <a:endParaRPr lang="en-US" dirty="0"/>
           </a:p>
           <a:p>
             <a:pPr lvl="1"/>
             <a:r>
-              <a:rPr lang="en-US" dirty="0" err="1" smtClean="0"/>
+              <a:rPr lang="en-US" dirty="0" err="1"/>
               <a:t>Ưu</a:t>
             </a:r>
             <a:r>
-              <a:rPr lang="en-US" dirty="0" smtClean="0"/>
-              <a:t> </a:t>
-            </a:r>
-            <a:r>
-              <a:rPr lang="en-US" dirty="0" err="1" smtClean="0"/>
+              <a:rPr lang="en-US" dirty="0"/>
+              <a:t> </a:t>
+            </a:r>
+            <a:r>
+              <a:rPr lang="en-US" dirty="0" err="1"/>
               <a:t>điểm</a:t>
             </a:r>
             <a:r>
-              <a:rPr lang="en-US" dirty="0" smtClean="0"/>
+              <a:rPr lang="en-US" dirty="0"/>
               <a:t>: </a:t>
             </a:r>
             <a:r>
-              <a:rPr lang="en-US" dirty="0" err="1" smtClean="0"/>
+              <a:rPr lang="en-US" dirty="0" err="1"/>
               <a:t>Cung</a:t>
             </a:r>
             <a:r>
-              <a:rPr lang="en-US" dirty="0" smtClean="0"/>
-              <a:t> </a:t>
-            </a:r>
-            <a:r>
-              <a:rPr lang="en-US" dirty="0" err="1" smtClean="0"/>
+              <a:rPr lang="en-US" dirty="0"/>
+              <a:t> </a:t>
+            </a:r>
+            <a:r>
+              <a:rPr lang="en-US" dirty="0" err="1"/>
               <a:t>cấp</a:t>
             </a:r>
             <a:r>
-              <a:rPr lang="en-US" dirty="0" smtClean="0"/>
+              <a:rPr lang="en-US" dirty="0"/>
               <a:t> </a:t>
             </a:r>
             <a:r>
@@ -7244,11 +7595,11 @@
               <a:t> </a:t>
             </a:r>
             <a:r>
-              <a:rPr lang="en-US" dirty="0" err="1" smtClean="0"/>
+              <a:rPr lang="en-US" dirty="0" err="1"/>
               <a:t>hội</a:t>
             </a:r>
             <a:r>
-              <a:rPr lang="en-US" dirty="0" smtClean="0"/>
+              <a:rPr lang="en-US" dirty="0"/>
               <a:t>. Cho </a:t>
             </a:r>
             <a:r>
@@ -7332,38 +7683,38 @@
               <a:t> </a:t>
             </a:r>
             <a:r>
-              <a:rPr lang="en-US" dirty="0" err="1" smtClean="0"/>
+              <a:rPr lang="en-US" dirty="0" err="1"/>
               <a:t>đi</a:t>
             </a:r>
             <a:r>
-              <a:rPr lang="en-US" dirty="0" smtClean="0"/>
+              <a:rPr lang="en-US" dirty="0"/>
               <a:t>…</a:t>
             </a:r>
           </a:p>
           <a:p>
             <a:pPr lvl="1"/>
             <a:r>
-              <a:rPr lang="en-US" dirty="0" err="1" smtClean="0"/>
+              <a:rPr lang="en-US" dirty="0" err="1"/>
               <a:t>Khuyết</a:t>
             </a:r>
             <a:r>
-              <a:rPr lang="en-US" dirty="0" smtClean="0"/>
-              <a:t> </a:t>
-            </a:r>
-            <a:r>
-              <a:rPr lang="en-US" dirty="0" err="1" smtClean="0"/>
+              <a:rPr lang="en-US" dirty="0"/>
+              <a:t> </a:t>
+            </a:r>
+            <a:r>
+              <a:rPr lang="en-US" dirty="0" err="1"/>
               <a:t>điểm</a:t>
             </a:r>
             <a:r>
-              <a:rPr lang="en-US" dirty="0" smtClean="0"/>
+              <a:rPr lang="en-US" dirty="0"/>
               <a:t>: </a:t>
             </a:r>
             <a:r>
-              <a:rPr lang="en-US" dirty="0" err="1" smtClean="0"/>
+              <a:rPr lang="en-US" dirty="0" err="1"/>
               <a:t>Giao</a:t>
             </a:r>
             <a:r>
-              <a:rPr lang="en-US" dirty="0" smtClean="0"/>
+              <a:rPr lang="en-US" dirty="0"/>
               <a:t> </a:t>
             </a:r>
             <a:r>
@@ -7438,12 +7789,9 @@
               <a:rPr lang="en-US" dirty="0"/>
               <a:t>.</a:t>
             </a:r>
-            <a:endParaRPr lang="en-US" dirty="0" smtClean="0"/>
-          </a:p>
-          <a:p>
-            <a:endParaRPr lang="en-US" dirty="0" smtClean="0"/>
-          </a:p>
-          <a:p>
+          </a:p>
+          <a:p>
+            <a:pPr lvl="1"/>
             <a:endParaRPr lang="en-US" dirty="0"/>
           </a:p>
         </p:txBody>
@@ -7458,45 +7806,50 @@
             <p:ph type="title"/>
           </p:nvPr>
         </p:nvSpPr>
-        <p:spPr/>
+        <p:spPr>
+          <a:xfrm>
+            <a:off x="457200" y="592428"/>
+            <a:ext cx="8229600" cy="687989"/>
+          </a:xfrm>
+        </p:spPr>
         <p:txBody>
           <a:bodyPr/>
           <a:lstStyle/>
           <a:p>
             <a:r>
-              <a:rPr lang="en-US" dirty="0" err="1" smtClean="0"/>
+              <a:rPr lang="en-US" dirty="0" err="1"/>
               <a:t>Các</a:t>
             </a:r>
             <a:r>
-              <a:rPr lang="en-US" dirty="0" smtClean="0"/>
-              <a:t> </a:t>
-            </a:r>
-            <a:r>
-              <a:rPr lang="en-US" dirty="0" err="1" smtClean="0"/>
+              <a:rPr lang="en-US" dirty="0"/>
+              <a:t> </a:t>
+            </a:r>
+            <a:r>
+              <a:rPr lang="en-US" dirty="0" err="1"/>
               <a:t>sản</a:t>
             </a:r>
             <a:r>
-              <a:rPr lang="en-US" dirty="0" smtClean="0"/>
-              <a:t> </a:t>
-            </a:r>
-            <a:r>
-              <a:rPr lang="en-US" dirty="0" err="1" smtClean="0"/>
+              <a:rPr lang="en-US" dirty="0"/>
+              <a:t> </a:t>
+            </a:r>
+            <a:r>
+              <a:rPr lang="en-US" dirty="0" err="1"/>
               <a:t>phẩm</a:t>
             </a:r>
             <a:r>
-              <a:rPr lang="en-US" dirty="0" smtClean="0"/>
-              <a:t> </a:t>
-            </a:r>
-            <a:r>
-              <a:rPr lang="en-US" dirty="0" err="1" smtClean="0"/>
+              <a:rPr lang="en-US" dirty="0"/>
+              <a:t> </a:t>
+            </a:r>
+            <a:r>
+              <a:rPr lang="en-US" dirty="0" err="1"/>
               <a:t>liên</a:t>
             </a:r>
             <a:r>
-              <a:rPr lang="en-US" dirty="0" smtClean="0"/>
-              <a:t> </a:t>
-            </a:r>
-            <a:r>
-              <a:rPr lang="en-US" dirty="0" err="1" smtClean="0"/>
+              <a:rPr lang="en-US" dirty="0"/>
+              <a:t> </a:t>
+            </a:r>
+            <a:r>
+              <a:rPr lang="en-US" dirty="0" err="1"/>
               <a:t>quan</a:t>
             </a:r>
             <a:endParaRPr lang="en-US" dirty="0"/>
@@ -7519,8 +7872,8 @@
         </p:blipFill>
         <p:spPr>
           <a:xfrm>
-            <a:off x="5473985" y="2235200"/>
-            <a:ext cx="6542329" cy="3390900"/>
+            <a:off x="3780053" y="1407447"/>
+            <a:ext cx="4906747" cy="2543175"/>
           </a:xfrm>
           <a:prstGeom prst="rect">
             <a:avLst/>
@@ -7530,7 +7883,7 @@
     </p:spTree>
     <p:extLst>
       <p:ext uri="{BB962C8B-B14F-4D97-AF65-F5344CB8AC3E}">
-        <p14:creationId xmlns:p14="http://schemas.microsoft.com/office/powerpoint/2010/main" val="115085417"/>
+        <p14:creationId xmlns:p14="http://schemas.microsoft.com/office/powerpoint/2010/main" val="3289082152"/>
       </p:ext>
     </p:extLst>
   </p:cSld>
@@ -7588,8 +7941,8 @@
         </p:nvSpPr>
         <p:spPr>
           <a:xfrm>
-            <a:off x="609600" y="1847088"/>
-            <a:ext cx="4394200" cy="4477512"/>
+            <a:off x="457200" y="1407447"/>
+            <a:ext cx="3148885" cy="4389120"/>
           </a:xfrm>
         </p:spPr>
         <p:txBody>
@@ -7597,44 +7950,32 @@
           <a:lstStyle/>
           <a:p>
             <a:r>
-              <a:rPr lang="en-US" dirty="0" smtClean="0">
-                <a:hlinkClick r:id="rId2"/>
-              </a:rPr>
-              <a:t>http</a:t>
-            </a:r>
-            <a:r>
               <a:rPr lang="en-US" dirty="0">
                 <a:hlinkClick r:id="rId2"/>
               </a:rPr>
-              <a:t>://</a:t>
-            </a:r>
-            <a:r>
-              <a:rPr lang="en-US" dirty="0" smtClean="0">
-                <a:hlinkClick r:id="rId2"/>
-              </a:rPr>
-              <a:t>www.cafe.odau.com</a:t>
-            </a:r>
-            <a:r>
-              <a:rPr lang="en-US" dirty="0" smtClean="0"/>
+              <a:t>http://www.cafe.odau.com</a:t>
+            </a:r>
+            <a:r>
+              <a:rPr lang="en-US" dirty="0"/>
               <a:t> </a:t>
             </a:r>
           </a:p>
           <a:p>
             <a:pPr lvl="1"/>
             <a:r>
-              <a:rPr lang="en-US" dirty="0" err="1" smtClean="0"/>
+              <a:rPr lang="en-US" dirty="0" err="1"/>
               <a:t>Ưu</a:t>
             </a:r>
             <a:r>
-              <a:rPr lang="en-US" dirty="0" smtClean="0"/>
-              <a:t> </a:t>
-            </a:r>
-            <a:r>
-              <a:rPr lang="en-US" dirty="0" err="1" smtClean="0"/>
+              <a:rPr lang="en-US" dirty="0"/>
+              <a:t> </a:t>
+            </a:r>
+            <a:r>
+              <a:rPr lang="en-US" dirty="0" err="1"/>
               <a:t>điểm</a:t>
             </a:r>
             <a:r>
-              <a:rPr lang="en-US" dirty="0" smtClean="0"/>
+              <a:rPr lang="en-US" dirty="0"/>
               <a:t>: Cho </a:t>
             </a:r>
             <a:r>
@@ -7742,30 +8083,30 @@
               <a:t> </a:t>
             </a:r>
             <a:r>
-              <a:rPr lang="en-US" dirty="0" err="1" smtClean="0"/>
+              <a:rPr lang="en-US" dirty="0" err="1"/>
               <a:t>hội</a:t>
             </a:r>
             <a:r>
-              <a:rPr lang="en-US" dirty="0" smtClean="0"/>
+              <a:rPr lang="en-US" dirty="0"/>
               <a:t>.</a:t>
             </a:r>
           </a:p>
           <a:p>
             <a:pPr lvl="1"/>
             <a:r>
-              <a:rPr lang="en-US" dirty="0" err="1" smtClean="0"/>
+              <a:rPr lang="en-US" dirty="0" err="1"/>
               <a:t>Khuyết</a:t>
             </a:r>
             <a:r>
-              <a:rPr lang="en-US" dirty="0" smtClean="0"/>
-              <a:t> </a:t>
-            </a:r>
-            <a:r>
-              <a:rPr lang="en-US" dirty="0" err="1" smtClean="0"/>
+              <a:rPr lang="en-US" dirty="0"/>
+              <a:t> </a:t>
+            </a:r>
+            <a:r>
+              <a:rPr lang="en-US" dirty="0" err="1"/>
               <a:t>điểm</a:t>
             </a:r>
             <a:r>
-              <a:rPr lang="en-US" dirty="0" smtClean="0"/>
+              <a:rPr lang="en-US" dirty="0"/>
               <a:t>: </a:t>
             </a:r>
             <a:r>
@@ -7857,18 +8198,16 @@
               <a:t> </a:t>
             </a:r>
             <a:r>
-              <a:rPr lang="en-US" dirty="0" err="1" smtClean="0"/>
+              <a:rPr lang="en-US" dirty="0" err="1"/>
               <a:t>tự</a:t>
             </a:r>
             <a:r>
-              <a:rPr lang="en-US" dirty="0" smtClean="0"/>
+              <a:rPr lang="en-US" dirty="0"/>
               <a:t>.</a:t>
             </a:r>
           </a:p>
           <a:p>
-            <a:endParaRPr lang="en-US" dirty="0" smtClean="0"/>
-          </a:p>
-          <a:p>
+            <a:pPr lvl="1"/>
             <a:endParaRPr lang="en-US" dirty="0"/>
           </a:p>
         </p:txBody>
@@ -7883,45 +8222,50 @@
             <p:ph type="title"/>
           </p:nvPr>
         </p:nvSpPr>
-        <p:spPr/>
+        <p:spPr>
+          <a:xfrm>
+            <a:off x="457200" y="592428"/>
+            <a:ext cx="8229600" cy="687989"/>
+          </a:xfrm>
+        </p:spPr>
         <p:txBody>
           <a:bodyPr/>
           <a:lstStyle/>
           <a:p>
             <a:r>
-              <a:rPr lang="en-US" dirty="0" err="1" smtClean="0"/>
+              <a:rPr lang="en-US" dirty="0" err="1"/>
               <a:t>Các</a:t>
             </a:r>
             <a:r>
-              <a:rPr lang="en-US" dirty="0" smtClean="0"/>
-              <a:t> </a:t>
-            </a:r>
-            <a:r>
-              <a:rPr lang="en-US" dirty="0" err="1" smtClean="0"/>
+              <a:rPr lang="en-US" dirty="0"/>
+              <a:t> </a:t>
+            </a:r>
+            <a:r>
+              <a:rPr lang="en-US" dirty="0" err="1"/>
               <a:t>sản</a:t>
             </a:r>
             <a:r>
-              <a:rPr lang="en-US" dirty="0" smtClean="0"/>
-              <a:t> </a:t>
-            </a:r>
-            <a:r>
-              <a:rPr lang="en-US" dirty="0" err="1" smtClean="0"/>
+              <a:rPr lang="en-US" dirty="0"/>
+              <a:t> </a:t>
+            </a:r>
+            <a:r>
+              <a:rPr lang="en-US" dirty="0" err="1"/>
               <a:t>phẩm</a:t>
             </a:r>
             <a:r>
-              <a:rPr lang="en-US" dirty="0" smtClean="0"/>
-              <a:t> </a:t>
-            </a:r>
-            <a:r>
-              <a:rPr lang="en-US" dirty="0" err="1" smtClean="0"/>
+              <a:rPr lang="en-US" dirty="0"/>
+              <a:t> </a:t>
+            </a:r>
+            <a:r>
+              <a:rPr lang="en-US" dirty="0" err="1"/>
               <a:t>liên</a:t>
             </a:r>
             <a:r>
-              <a:rPr lang="en-US" dirty="0" smtClean="0"/>
-              <a:t> </a:t>
-            </a:r>
-            <a:r>
-              <a:rPr lang="en-US" dirty="0" err="1" smtClean="0"/>
+              <a:rPr lang="en-US" dirty="0"/>
+              <a:t> </a:t>
+            </a:r>
+            <a:r>
+              <a:rPr lang="en-US" dirty="0" err="1"/>
               <a:t>quan</a:t>
             </a:r>
             <a:endParaRPr lang="en-US" dirty="0"/>
@@ -7930,7 +8274,7 @@
       </p:sp>
       <p:pic>
         <p:nvPicPr>
-          <p:cNvPr id="5" name="Picture 4"/>
+          <p:cNvPr id="6" name="Picture 5"/>
           <p:cNvPicPr>
             <a:picLocks noChangeAspect="1"/>
           </p:cNvPicPr>
@@ -7944,8 +8288,8 @@
         </p:blipFill>
         <p:spPr>
           <a:xfrm>
-            <a:off x="5495926" y="2544926"/>
-            <a:ext cx="6547104" cy="3081836"/>
+            <a:off x="3776472" y="1587751"/>
+            <a:ext cx="4910328" cy="2311377"/>
           </a:xfrm>
           <a:prstGeom prst="rect">
             <a:avLst/>
@@ -7955,7 +8299,7 @@
     </p:spTree>
     <p:extLst>
       <p:ext uri="{BB962C8B-B14F-4D97-AF65-F5344CB8AC3E}">
-        <p14:creationId xmlns:p14="http://schemas.microsoft.com/office/powerpoint/2010/main" val="278229794"/>
+        <p14:creationId xmlns:p14="http://schemas.microsoft.com/office/powerpoint/2010/main" val="3233101811"/>
       </p:ext>
     </p:extLst>
   </p:cSld>
@@ -8013,31 +8357,21 @@
         </p:nvSpPr>
         <p:spPr>
           <a:xfrm>
-            <a:off x="609600" y="1847088"/>
-            <a:ext cx="4394200" cy="4477512"/>
+            <a:off x="457200" y="1407447"/>
+            <a:ext cx="3148885" cy="4389120"/>
           </a:xfrm>
         </p:spPr>
         <p:txBody>
-          <a:bodyPr>
-            <a:normAutofit lnSpcReduction="10000"/>
-          </a:bodyPr>
+          <a:bodyPr/>
           <a:lstStyle/>
           <a:p>
             <a:r>
               <a:rPr lang="en-US" dirty="0" err="1"/>
-              <a:t>M</a:t>
-            </a:r>
-            <a:r>
-              <a:rPr lang="en-US" dirty="0" err="1" smtClean="0"/>
-              <a:t>ạng</a:t>
-            </a:r>
-            <a:r>
-              <a:rPr lang="en-US" dirty="0" smtClean="0"/>
-              <a:t> </a:t>
-            </a:r>
-            <a:r>
-              <a:rPr lang="en-US" dirty="0"/>
-              <a:t>chia </a:t>
+              <a:t>Mạng</a:t>
+            </a:r>
+            <a:r>
+              <a:rPr lang="en-US" dirty="0"/>
+              <a:t> chia </a:t>
             </a:r>
             <a:r>
               <a:rPr lang="en-US" dirty="0" err="1"/>
@@ -8069,11 +8403,7 @@
             </a:r>
             <a:r>
               <a:rPr lang="en-US" dirty="0"/>
-              <a:t> Nam</a:t>
-            </a:r>
-            <a:r>
-              <a:rPr lang="en-US" dirty="0" smtClean="0"/>
-              <a:t>.</a:t>
+              <a:t> Nam.</a:t>
             </a:r>
           </a:p>
           <a:p>
@@ -8081,32 +8411,26 @@
               <a:rPr lang="en-US" dirty="0">
                 <a:hlinkClick r:id="rId2"/>
               </a:rPr>
-              <a:t>http://www.place.vn</a:t>
-            </a:r>
-            <a:r>
-              <a:rPr lang="en-US" dirty="0" smtClean="0">
-                <a:hlinkClick r:id="rId2"/>
-              </a:rPr>
-              <a:t>/</a:t>
-            </a:r>
-            <a:endParaRPr lang="en-US" dirty="0" smtClean="0"/>
+              <a:t>http://www.place.vn/</a:t>
+            </a:r>
+            <a:endParaRPr lang="en-US" dirty="0"/>
           </a:p>
           <a:p>
             <a:pPr lvl="1"/>
             <a:r>
-              <a:rPr lang="en-US" dirty="0" err="1" smtClean="0"/>
+              <a:rPr lang="en-US" dirty="0" err="1"/>
               <a:t>Ưu</a:t>
             </a:r>
             <a:r>
-              <a:rPr lang="en-US" dirty="0" smtClean="0"/>
-              <a:t> </a:t>
-            </a:r>
-            <a:r>
-              <a:rPr lang="en-US" dirty="0" err="1" smtClean="0"/>
+              <a:rPr lang="en-US" dirty="0"/>
+              <a:t> </a:t>
+            </a:r>
+            <a:r>
+              <a:rPr lang="en-US" dirty="0" err="1"/>
               <a:t>điểm</a:t>
             </a:r>
             <a:r>
-              <a:rPr lang="en-US" dirty="0" smtClean="0"/>
+              <a:rPr lang="en-US" dirty="0"/>
               <a:t>: </a:t>
             </a:r>
             <a:r>
@@ -8299,29 +8623,25 @@
             </a:r>
             <a:r>
               <a:rPr lang="en-US" dirty="0"/>
-              <a:t> </a:t>
-            </a:r>
-            <a:r>
-              <a:rPr lang="en-US" dirty="0" smtClean="0"/>
-              <a:t>…</a:t>
+              <a:t> …</a:t>
             </a:r>
           </a:p>
           <a:p>
             <a:pPr lvl="1"/>
             <a:r>
-              <a:rPr lang="en-US" dirty="0" err="1" smtClean="0"/>
+              <a:rPr lang="en-US" dirty="0" err="1"/>
               <a:t>Khuyết</a:t>
             </a:r>
             <a:r>
-              <a:rPr lang="en-US" dirty="0" smtClean="0"/>
-              <a:t> </a:t>
-            </a:r>
-            <a:r>
-              <a:rPr lang="en-US" dirty="0" err="1" smtClean="0"/>
+              <a:rPr lang="en-US" dirty="0"/>
+              <a:t> </a:t>
+            </a:r>
+            <a:r>
+              <a:rPr lang="en-US" dirty="0" err="1"/>
               <a:t>điểm</a:t>
             </a:r>
             <a:r>
-              <a:rPr lang="en-US" dirty="0" smtClean="0"/>
+              <a:rPr lang="en-US" dirty="0"/>
               <a:t>: </a:t>
             </a:r>
             <a:r>
@@ -8401,14 +8721,12 @@
               <a:t>xác</a:t>
             </a:r>
             <a:r>
-              <a:rPr lang="en-US" dirty="0" smtClean="0"/>
+              <a:rPr lang="en-US" dirty="0"/>
               <a:t>.</a:t>
             </a:r>
           </a:p>
           <a:p>
-            <a:endParaRPr lang="en-US" dirty="0" smtClean="0"/>
-          </a:p>
-          <a:p>
+            <a:pPr lvl="1"/>
             <a:endParaRPr lang="en-US" dirty="0"/>
           </a:p>
         </p:txBody>
@@ -8423,45 +8741,50 @@
             <p:ph type="title"/>
           </p:nvPr>
         </p:nvSpPr>
-        <p:spPr/>
+        <p:spPr>
+          <a:xfrm>
+            <a:off x="457200" y="592428"/>
+            <a:ext cx="8229600" cy="687989"/>
+          </a:xfrm>
+        </p:spPr>
         <p:txBody>
           <a:bodyPr/>
           <a:lstStyle/>
           <a:p>
             <a:r>
-              <a:rPr lang="en-US" dirty="0" err="1" smtClean="0"/>
+              <a:rPr lang="en-US" dirty="0" err="1"/>
               <a:t>Các</a:t>
             </a:r>
             <a:r>
-              <a:rPr lang="en-US" dirty="0" smtClean="0"/>
-              <a:t> </a:t>
-            </a:r>
-            <a:r>
-              <a:rPr lang="en-US" dirty="0" err="1" smtClean="0"/>
+              <a:rPr lang="en-US" dirty="0"/>
+              <a:t> </a:t>
+            </a:r>
+            <a:r>
+              <a:rPr lang="en-US" dirty="0" err="1"/>
               <a:t>sản</a:t>
             </a:r>
             <a:r>
-              <a:rPr lang="en-US" dirty="0" smtClean="0"/>
-              <a:t> </a:t>
-            </a:r>
-            <a:r>
-              <a:rPr lang="en-US" dirty="0" err="1" smtClean="0"/>
+              <a:rPr lang="en-US" dirty="0"/>
+              <a:t> </a:t>
+            </a:r>
+            <a:r>
+              <a:rPr lang="en-US" dirty="0" err="1"/>
               <a:t>phẩm</a:t>
             </a:r>
             <a:r>
-              <a:rPr lang="en-US" dirty="0" smtClean="0"/>
-              <a:t> </a:t>
-            </a:r>
-            <a:r>
-              <a:rPr lang="en-US" dirty="0" err="1" smtClean="0"/>
+              <a:rPr lang="en-US" dirty="0"/>
+              <a:t> </a:t>
+            </a:r>
+            <a:r>
+              <a:rPr lang="en-US" dirty="0" err="1"/>
               <a:t>liên</a:t>
             </a:r>
             <a:r>
-              <a:rPr lang="en-US" dirty="0" smtClean="0"/>
-              <a:t> </a:t>
-            </a:r>
-            <a:r>
-              <a:rPr lang="en-US" dirty="0" err="1" smtClean="0"/>
+              <a:rPr lang="en-US" dirty="0"/>
+              <a:t> </a:t>
+            </a:r>
+            <a:r>
+              <a:rPr lang="en-US" dirty="0" err="1"/>
               <a:t>quan</a:t>
             </a:r>
             <a:endParaRPr lang="en-US" dirty="0"/>
@@ -8470,22 +8793,21 @@
       </p:sp>
       <p:pic>
         <p:nvPicPr>
-          <p:cNvPr id="5" name="Picture 4"/>
+          <p:cNvPr id="4" name="Picture 3"/>
           <p:cNvPicPr>
             <a:picLocks noChangeAspect="1"/>
           </p:cNvPicPr>
           <p:nvPr/>
         </p:nvPicPr>
-        <p:blipFill>
+        <p:blipFill rotWithShape="1">
           <a:blip r:embed="rId3"/>
-          <a:stretch>
-            <a:fillRect/>
-          </a:stretch>
+          <a:srcRect l="211" t="11224" r="1201" b="5854"/>
+          <a:stretch/>
         </p:blipFill>
         <p:spPr>
           <a:xfrm>
-            <a:off x="5495926" y="2544926"/>
-            <a:ext cx="6547104" cy="3081836"/>
+            <a:off x="3776472" y="1600630"/>
+            <a:ext cx="4910328" cy="2322053"/>
           </a:xfrm>
           <a:prstGeom prst="rect">
             <a:avLst/>
@@ -8495,7 +8817,7 @@
     </p:spTree>
     <p:extLst>
       <p:ext uri="{BB962C8B-B14F-4D97-AF65-F5344CB8AC3E}">
-        <p14:creationId xmlns:p14="http://schemas.microsoft.com/office/powerpoint/2010/main" val="1034771459"/>
+        <p14:creationId xmlns:p14="http://schemas.microsoft.com/office/powerpoint/2010/main" val="313917426"/>
       </p:ext>
     </p:extLst>
   </p:cSld>
@@ -8553,8 +8875,8 @@
         </p:nvSpPr>
         <p:spPr>
           <a:xfrm>
-            <a:off x="4940300" y="2273275"/>
-            <a:ext cx="4076700" cy="719175"/>
+            <a:off x="3353068" y="2309824"/>
+            <a:ext cx="3057525" cy="539381"/>
           </a:xfrm>
         </p:spPr>
         <p:txBody>
@@ -8592,69 +8914,6 @@
             <a:r>
               <a:rPr lang="en-US" dirty="0" smtClean="0"/>
               <a:t>: 4 </a:t>
-            </a:r>
-            <a:endParaRPr lang="en-US" dirty="0"/>
-          </a:p>
-        </p:txBody>
-      </p:sp>
-      <p:sp>
-        <p:nvSpPr>
-          <p:cNvPr id="3" name="Title 2"/>
-          <p:cNvSpPr>
-            <a:spLocks noGrp="1"/>
-          </p:cNvSpPr>
-          <p:nvPr>
-            <p:ph type="title"/>
-          </p:nvPr>
-        </p:nvSpPr>
-        <p:spPr/>
-        <p:txBody>
-          <a:bodyPr/>
-          <a:lstStyle/>
-          <a:p>
-            <a:r>
-              <a:rPr lang="en-US" dirty="0" err="1" smtClean="0"/>
-              <a:t>Quá</a:t>
-            </a:r>
-            <a:r>
-              <a:rPr lang="en-US" dirty="0" smtClean="0"/>
-              <a:t> </a:t>
-            </a:r>
-            <a:r>
-              <a:rPr lang="en-US" dirty="0" err="1" smtClean="0"/>
-              <a:t>trình</a:t>
-            </a:r>
-            <a:r>
-              <a:rPr lang="en-US" dirty="0" smtClean="0"/>
-              <a:t> </a:t>
-            </a:r>
-            <a:r>
-              <a:rPr lang="en-US" dirty="0" err="1" smtClean="0"/>
-              <a:t>thu</a:t>
-            </a:r>
-            <a:r>
-              <a:rPr lang="en-US" dirty="0" smtClean="0"/>
-              <a:t> </a:t>
-            </a:r>
-            <a:r>
-              <a:rPr lang="en-US" dirty="0" err="1" smtClean="0"/>
-              <a:t>thập</a:t>
-            </a:r>
-            <a:r>
-              <a:rPr lang="en-US" dirty="0" smtClean="0"/>
-              <a:t> </a:t>
-            </a:r>
-            <a:r>
-              <a:rPr lang="en-US" dirty="0" err="1" smtClean="0"/>
-              <a:t>tài</a:t>
-            </a:r>
-            <a:r>
-              <a:rPr lang="en-US" dirty="0" smtClean="0"/>
-              <a:t> </a:t>
-            </a:r>
-            <a:r>
-              <a:rPr lang="en-US" dirty="0" err="1" smtClean="0"/>
-              <a:t>liệu</a:t>
             </a:r>
             <a:endParaRPr lang="en-US" dirty="0"/>
           </a:p>
@@ -8683,8 +8942,8 @@
         </p:blipFill>
         <p:spPr bwMode="auto">
           <a:xfrm>
-            <a:off x="9702085" y="1847088"/>
-            <a:ext cx="1880315" cy="1732586"/>
+            <a:off x="6924407" y="1990183"/>
+            <a:ext cx="1410236" cy="1299440"/>
           </a:xfrm>
           <a:prstGeom prst="rect">
             <a:avLst/>
@@ -8711,8 +8970,8 @@
         </p:nvSpPr>
         <p:spPr>
           <a:xfrm>
-            <a:off x="1079143" y="3566949"/>
-            <a:ext cx="4076700" cy="719175"/>
+            <a:off x="457200" y="3532462"/>
+            <a:ext cx="3057525" cy="539381"/>
           </a:xfrm>
           <a:prstGeom prst="rect">
             <a:avLst/>
@@ -8894,30 +9153,30 @@
           </a:lstStyle>
           <a:p>
             <a:r>
-              <a:rPr lang="en-US" dirty="0" err="1" smtClean="0"/>
+              <a:rPr lang="en-US" sz="1950" dirty="0" err="1"/>
               <a:t>Khảo</a:t>
             </a:r>
             <a:r>
-              <a:rPr lang="en-US" dirty="0" smtClean="0"/>
-              <a:t> </a:t>
-            </a:r>
-            <a:r>
-              <a:rPr lang="en-US" dirty="0" err="1" smtClean="0"/>
+              <a:rPr lang="en-US" sz="1950" dirty="0"/>
+              <a:t> </a:t>
+            </a:r>
+            <a:r>
+              <a:rPr lang="en-US" sz="1950" dirty="0" err="1"/>
               <a:t>sát</a:t>
             </a:r>
             <a:r>
-              <a:rPr lang="en-US" dirty="0" smtClean="0"/>
-              <a:t> </a:t>
-            </a:r>
-            <a:r>
-              <a:rPr lang="en-US" dirty="0" err="1" smtClean="0"/>
+              <a:rPr lang="en-US" sz="1950" dirty="0"/>
+              <a:t> </a:t>
+            </a:r>
+            <a:r>
+              <a:rPr lang="en-US" sz="1950" dirty="0" err="1"/>
               <a:t>giấy</a:t>
             </a:r>
             <a:r>
-              <a:rPr lang="en-US" dirty="0" smtClean="0"/>
+              <a:rPr lang="en-US" sz="1950" dirty="0"/>
               <a:t>: 50 </a:t>
             </a:r>
-            <a:endParaRPr lang="en-US" dirty="0"/>
+            <a:endParaRPr lang="en-US" sz="1950" dirty="0"/>
           </a:p>
         </p:txBody>
       </p:sp>
@@ -8931,8 +9190,8 @@
         </p:nvSpPr>
         <p:spPr>
           <a:xfrm>
-            <a:off x="4940300" y="5171899"/>
-            <a:ext cx="4076700" cy="719175"/>
+            <a:off x="3353068" y="4898762"/>
+            <a:ext cx="3057525" cy="539381"/>
           </a:xfrm>
           <a:prstGeom prst="rect">
             <a:avLst/>
@@ -9114,22 +9373,22 @@
           </a:lstStyle>
           <a:p>
             <a:r>
-              <a:rPr lang="en-US" dirty="0" err="1" smtClean="0"/>
+              <a:rPr lang="en-US" sz="1950" dirty="0" err="1"/>
               <a:t>Khảo</a:t>
             </a:r>
             <a:r>
-              <a:rPr lang="en-US" dirty="0" smtClean="0"/>
-              <a:t> </a:t>
-            </a:r>
-            <a:r>
-              <a:rPr lang="en-US" dirty="0" err="1" smtClean="0"/>
+              <a:rPr lang="en-US" sz="1950" dirty="0"/>
+              <a:t> </a:t>
+            </a:r>
+            <a:r>
+              <a:rPr lang="en-US" sz="1950" dirty="0" err="1"/>
               <a:t>sát</a:t>
             </a:r>
             <a:r>
-              <a:rPr lang="en-US" dirty="0" smtClean="0"/>
+              <a:rPr lang="en-US" sz="1950" dirty="0"/>
               <a:t> online: 79 </a:t>
             </a:r>
-            <a:endParaRPr lang="en-US" dirty="0"/>
+            <a:endParaRPr lang="en-US" sz="1950" dirty="0"/>
           </a:p>
         </p:txBody>
       </p:sp>
@@ -9142,7 +9401,7 @@
           <p:nvPr/>
         </p:nvPicPr>
         <p:blipFill>
-          <a:blip r:embed="rId3">
+          <a:blip r:embed="rId3" cstate="print">
             <a:extLst>
               <a:ext uri="{28A0092B-C50C-407E-A947-70E740481C1C}">
                 <a14:useLocalDpi xmlns:a14="http://schemas.microsoft.com/office/drawing/2010/main" val="0"/>
@@ -9156,8 +9415,8 @@
         </p:blipFill>
         <p:spPr bwMode="auto">
           <a:xfrm>
-            <a:off x="3912057" y="2944381"/>
-            <a:ext cx="1739443" cy="1867688"/>
+            <a:off x="2581886" y="3065536"/>
+            <a:ext cx="1304582" cy="1400766"/>
           </a:xfrm>
           <a:prstGeom prst="rect">
             <a:avLst/>
@@ -9197,8 +9456,8 @@
         </p:blipFill>
         <p:spPr bwMode="auto">
           <a:xfrm>
-            <a:off x="9470265" y="4595286"/>
-            <a:ext cx="2343954" cy="1872399"/>
+            <a:off x="6750542" y="4466302"/>
+            <a:ext cx="1757966" cy="1404299"/>
           </a:xfrm>
           <a:prstGeom prst="rect">
             <a:avLst/>
@@ -9215,6 +9474,96 @@
           </a:extLst>
         </p:spPr>
       </p:pic>
+      <p:sp>
+        <p:nvSpPr>
+          <p:cNvPr id="9" name="Title 2"/>
+          <p:cNvSpPr txBox="1">
+            <a:spLocks/>
+          </p:cNvSpPr>
+          <p:nvPr/>
+        </p:nvSpPr>
+        <p:spPr>
+          <a:xfrm>
+            <a:off x="457200" y="592428"/>
+            <a:ext cx="8229600" cy="687989"/>
+          </a:xfrm>
+          <a:prstGeom prst="rect">
+            <a:avLst/>
+          </a:prstGeom>
+        </p:spPr>
+        <p:txBody>
+          <a:bodyPr vert="horz" lIns="0" rIns="0" bIns="0" anchor="b">
+            <a:normAutofit/>
+          </a:bodyPr>
+          <a:lstStyle>
+            <a:lvl1pPr algn="l" rtl="0" eaLnBrk="1" latinLnBrk="0" hangingPunct="1">
+              <a:spcBef>
+                <a:spcPct val="0"/>
+              </a:spcBef>
+              <a:buNone/>
+              <a:defRPr kumimoji="0" sz="3750" b="0" kern="1200">
+                <a:ln>
+                  <a:noFill/>
+                </a:ln>
+                <a:solidFill>
+                  <a:schemeClr val="tx2"/>
+                </a:solidFill>
+                <a:effectLst/>
+                <a:latin typeface="+mj-lt"/>
+                <a:ea typeface="+mj-ea"/>
+                <a:cs typeface="+mj-cs"/>
+              </a:defRPr>
+            </a:lvl1pPr>
+          </a:lstStyle>
+          <a:p>
+            <a:r>
+              <a:rPr lang="en-US" dirty="0" err="1"/>
+              <a:t>Quá</a:t>
+            </a:r>
+            <a:r>
+              <a:rPr lang="en-US" dirty="0"/>
+              <a:t> </a:t>
+            </a:r>
+            <a:r>
+              <a:rPr lang="en-US" dirty="0" err="1"/>
+              <a:t>trình</a:t>
+            </a:r>
+            <a:r>
+              <a:rPr lang="en-US" dirty="0"/>
+              <a:t> </a:t>
+            </a:r>
+            <a:r>
+              <a:rPr lang="en-US" dirty="0" err="1"/>
+              <a:t>thu</a:t>
+            </a:r>
+            <a:r>
+              <a:rPr lang="en-US" dirty="0"/>
+              <a:t> </a:t>
+            </a:r>
+            <a:r>
+              <a:rPr lang="en-US" dirty="0" err="1"/>
+              <a:t>thập</a:t>
+            </a:r>
+            <a:r>
+              <a:rPr lang="en-US" dirty="0"/>
+              <a:t> </a:t>
+            </a:r>
+            <a:r>
+              <a:rPr lang="en-US" dirty="0" err="1"/>
+              <a:t>tài</a:t>
+            </a:r>
+            <a:r>
+              <a:rPr lang="en-US" dirty="0"/>
+              <a:t> </a:t>
+            </a:r>
+            <a:r>
+              <a:rPr lang="en-US" dirty="0" err="1"/>
+              <a:t>liệu</a:t>
+            </a:r>
+            <a:endParaRPr lang="en-US" dirty="0"/>
+          </a:p>
+        </p:txBody>
+      </p:sp>
     </p:spTree>
     <p:extLst>
       <p:ext uri="{BB962C8B-B14F-4D97-AF65-F5344CB8AC3E}">
@@ -9431,48 +9780,6 @@
           <a:chExt cx="0" cy="0"/>
         </a:xfrm>
       </p:grpSpPr>
-      <p:sp>
-        <p:nvSpPr>
-          <p:cNvPr id="3" name="Title 2"/>
-          <p:cNvSpPr>
-            <a:spLocks noGrp="1"/>
-          </p:cNvSpPr>
-          <p:nvPr>
-            <p:ph type="title"/>
-          </p:nvPr>
-        </p:nvSpPr>
-        <p:spPr>
-          <a:xfrm>
-            <a:off x="444500" y="983488"/>
-            <a:ext cx="3517900" cy="1143000"/>
-          </a:xfrm>
-        </p:spPr>
-        <p:txBody>
-          <a:bodyPr>
-            <a:normAutofit fontScale="90000"/>
-          </a:bodyPr>
-          <a:lstStyle/>
-          <a:p>
-            <a:r>
-              <a:rPr lang="en-US" dirty="0" err="1" smtClean="0"/>
-              <a:t>Sơ</a:t>
-            </a:r>
-            <a:r>
-              <a:rPr lang="en-US" dirty="0" smtClean="0"/>
-              <a:t> </a:t>
-            </a:r>
-            <a:r>
-              <a:rPr lang="en-US" dirty="0" err="1" smtClean="0"/>
-              <a:t>đồ</a:t>
-            </a:r>
-            <a:r>
-              <a:rPr lang="en-US" dirty="0" smtClean="0"/>
-              <a:t> Use Case</a:t>
-            </a:r>
-            <a:endParaRPr lang="en-US" dirty="0"/>
-          </a:p>
-        </p:txBody>
-      </p:sp>
       <p:pic>
         <p:nvPicPr>
           <p:cNvPr id="6" name="Content Placeholder 5"/>
@@ -9496,11 +9803,72 @@
         </p:blipFill>
         <p:spPr>
           <a:xfrm>
-            <a:off x="3962400" y="114300"/>
-            <a:ext cx="7277100" cy="6659419"/>
+            <a:off x="709747" y="1306175"/>
+            <a:ext cx="7700158" cy="4994564"/>
           </a:xfrm>
         </p:spPr>
       </p:pic>
+      <p:sp>
+        <p:nvSpPr>
+          <p:cNvPr id="4" name="Title 2"/>
+          <p:cNvSpPr txBox="1">
+            <a:spLocks/>
+          </p:cNvSpPr>
+          <p:nvPr/>
+        </p:nvSpPr>
+        <p:spPr>
+          <a:xfrm>
+            <a:off x="457200" y="592428"/>
+            <a:ext cx="8229600" cy="687989"/>
+          </a:xfrm>
+          <a:prstGeom prst="rect">
+            <a:avLst/>
+          </a:prstGeom>
+        </p:spPr>
+        <p:txBody>
+          <a:bodyPr vert="horz" lIns="0" rIns="0" bIns="0" anchor="b">
+            <a:normAutofit/>
+          </a:bodyPr>
+          <a:lstStyle>
+            <a:lvl1pPr algn="l" rtl="0" eaLnBrk="1" latinLnBrk="0" hangingPunct="1">
+              <a:spcBef>
+                <a:spcPct val="0"/>
+              </a:spcBef>
+              <a:buNone/>
+              <a:defRPr kumimoji="0" sz="3750" b="0" kern="1200">
+                <a:ln>
+                  <a:noFill/>
+                </a:ln>
+                <a:solidFill>
+                  <a:schemeClr val="tx2"/>
+                </a:solidFill>
+                <a:effectLst/>
+                <a:latin typeface="+mj-lt"/>
+                <a:ea typeface="+mj-ea"/>
+                <a:cs typeface="+mj-cs"/>
+              </a:defRPr>
+            </a:lvl1pPr>
+          </a:lstStyle>
+          <a:p>
+            <a:r>
+              <a:rPr lang="en-US" dirty="0" err="1"/>
+              <a:t>Sơ</a:t>
+            </a:r>
+            <a:r>
+              <a:rPr lang="en-US" dirty="0"/>
+              <a:t> </a:t>
+            </a:r>
+            <a:r>
+              <a:rPr lang="en-US" dirty="0" err="1"/>
+              <a:t>đồ</a:t>
+            </a:r>
+            <a:r>
+              <a:rPr lang="en-US" dirty="0"/>
+              <a:t> Use Case</a:t>
+            </a:r>
+          </a:p>
+        </p:txBody>
+      </p:sp>
     </p:spTree>
     <p:extLst>
       <p:ext uri="{BB962C8B-B14F-4D97-AF65-F5344CB8AC3E}">
@@ -9568,8 +9936,8 @@
         </p:blipFill>
         <p:spPr>
           <a:xfrm>
-            <a:off x="1917380" y="1847088"/>
-            <a:ext cx="8357239" cy="4796980"/>
+            <a:off x="716820" y="1534228"/>
+            <a:ext cx="7670735" cy="4402933"/>
           </a:xfrm>
           <a:prstGeom prst="rect">
             <a:avLst/>
@@ -9578,41 +9946,68 @@
       </p:pic>
       <p:sp>
         <p:nvSpPr>
-          <p:cNvPr id="3" name="Title 2"/>
-          <p:cNvSpPr>
-            <a:spLocks noGrp="1"/>
+          <p:cNvPr id="5" name="Title 2"/>
+          <p:cNvSpPr txBox="1">
+            <a:spLocks/>
           </p:cNvSpPr>
-          <p:nvPr>
-            <p:ph type="title"/>
-          </p:nvPr>
+          <p:nvPr/>
         </p:nvSpPr>
-        <p:spPr/>
+        <p:spPr>
+          <a:xfrm>
+            <a:off x="457200" y="592428"/>
+            <a:ext cx="8229600" cy="687989"/>
+          </a:xfrm>
+          <a:prstGeom prst="rect">
+            <a:avLst/>
+          </a:prstGeom>
+        </p:spPr>
         <p:txBody>
-          <a:bodyPr/>
-          <a:lstStyle/>
-          <a:p>
-            <a:r>
-              <a:rPr lang="en-US" dirty="0" smtClean="0"/>
+          <a:bodyPr vert="horz" lIns="0" rIns="0" bIns="0" anchor="b">
+            <a:normAutofit/>
+          </a:bodyPr>
+          <a:lstStyle>
+            <a:lvl1pPr algn="l" rtl="0" eaLnBrk="1" latinLnBrk="0" hangingPunct="1">
+              <a:spcBef>
+                <a:spcPct val="0"/>
+              </a:spcBef>
+              <a:buNone/>
+              <a:defRPr kumimoji="0" sz="3750" b="0" kern="1200">
+                <a:ln>
+                  <a:noFill/>
+                </a:ln>
+                <a:solidFill>
+                  <a:schemeClr val="tx2"/>
+                </a:solidFill>
+                <a:effectLst/>
+                <a:latin typeface="+mj-lt"/>
+                <a:ea typeface="+mj-ea"/>
+                <a:cs typeface="+mj-cs"/>
+              </a:defRPr>
+            </a:lvl1pPr>
+          </a:lstStyle>
+          <a:p>
+            <a:r>
+              <a:rPr lang="en-US" dirty="0"/>
               <a:t>Prototypes </a:t>
             </a:r>
             <a:r>
-              <a:rPr lang="en-US" dirty="0" err="1" smtClean="0"/>
+              <a:rPr lang="en-US" dirty="0" err="1"/>
               <a:t>của</a:t>
             </a:r>
             <a:r>
-              <a:rPr lang="en-US" dirty="0" smtClean="0"/>
-              <a:t> </a:t>
-            </a:r>
-            <a:r>
-              <a:rPr lang="en-US" dirty="0" err="1" smtClean="0"/>
+              <a:rPr lang="en-US" dirty="0"/>
+              <a:t> </a:t>
+            </a:r>
+            <a:r>
+              <a:rPr lang="en-US" dirty="0" err="1"/>
               <a:t>phần</a:t>
             </a:r>
             <a:r>
-              <a:rPr lang="en-US" dirty="0" smtClean="0"/>
-              <a:t> </a:t>
-            </a:r>
-            <a:r>
-              <a:rPr lang="en-US" dirty="0" err="1" smtClean="0"/>
+              <a:rPr lang="en-US" dirty="0"/>
+              <a:t> </a:t>
+            </a:r>
+            <a:r>
+              <a:rPr lang="en-US" dirty="0" err="1"/>
               <a:t>mềm</a:t>
             </a:r>
             <a:endParaRPr lang="en-US" dirty="0"/>
